--- a/5_term/МППиУ/SOFT_FX_PRES_6.pptx
+++ b/5_term/МППиУ/SOFT_FX_PRES_6.pptx
@@ -13,7 +13,10 @@
     <p:sldId id="268" r:id="rId7"/>
     <p:sldId id="269" r:id="rId8"/>
     <p:sldId id="270" r:id="rId9"/>
-    <p:sldId id="265" r:id="rId10"/>
+    <p:sldId id="273" r:id="rId10"/>
+    <p:sldId id="271" r:id="rId11"/>
+    <p:sldId id="272" r:id="rId12"/>
+    <p:sldId id="265" r:id="rId13"/>
   </p:sldIdLst>
   <p:sldSz cx="12192000" cy="6858000"/>
   <p:notesSz cx="6858000" cy="9144000"/>
@@ -306,7 +309,7 @@
           <a:p>
             <a:fld id="{DB9F53D1-A45D-42A0-860E-F6E788FC6D32}" type="datetimeFigureOut">
               <a:rPr lang="ru-RU" smtClean="0"/>
-              <a:t>29.11.2023</a:t>
+              <a:t>30.11.2023</a:t>
             </a:fld>
             <a:endParaRPr lang="ru-RU"/>
           </a:p>
@@ -581,7 +584,7 @@
           <a:p>
             <a:fld id="{DB9F53D1-A45D-42A0-860E-F6E788FC6D32}" type="datetimeFigureOut">
               <a:rPr lang="ru-RU" smtClean="0"/>
-              <a:t>29.11.2023</a:t>
+              <a:t>30.11.2023</a:t>
             </a:fld>
             <a:endParaRPr lang="ru-RU"/>
           </a:p>
@@ -775,7 +778,7 @@
           <a:p>
             <a:fld id="{DB9F53D1-A45D-42A0-860E-F6E788FC6D32}" type="datetimeFigureOut">
               <a:rPr lang="ru-RU" smtClean="0"/>
-              <a:t>29.11.2023</a:t>
+              <a:t>30.11.2023</a:t>
             </a:fld>
             <a:endParaRPr lang="ru-RU"/>
           </a:p>
@@ -1048,7 +1051,7 @@
           <a:p>
             <a:fld id="{DB9F53D1-A45D-42A0-860E-F6E788FC6D32}" type="datetimeFigureOut">
               <a:rPr lang="ru-RU" smtClean="0"/>
-              <a:t>29.11.2023</a:t>
+              <a:t>30.11.2023</a:t>
             </a:fld>
             <a:endParaRPr lang="ru-RU"/>
           </a:p>
@@ -1389,7 +1392,7 @@
           <a:p>
             <a:fld id="{DB9F53D1-A45D-42A0-860E-F6E788FC6D32}" type="datetimeFigureOut">
               <a:rPr lang="ru-RU" smtClean="0"/>
-              <a:t>29.11.2023</a:t>
+              <a:t>30.11.2023</a:t>
             </a:fld>
             <a:endParaRPr lang="ru-RU"/>
           </a:p>
@@ -2012,7 +2015,7 @@
           <a:p>
             <a:fld id="{DB9F53D1-A45D-42A0-860E-F6E788FC6D32}" type="datetimeFigureOut">
               <a:rPr lang="ru-RU" smtClean="0"/>
-              <a:t>29.11.2023</a:t>
+              <a:t>30.11.2023</a:t>
             </a:fld>
             <a:endParaRPr lang="ru-RU"/>
           </a:p>
@@ -2872,7 +2875,7 @@
           <a:p>
             <a:fld id="{DB9F53D1-A45D-42A0-860E-F6E788FC6D32}" type="datetimeFigureOut">
               <a:rPr lang="ru-RU" smtClean="0"/>
-              <a:t>29.11.2023</a:t>
+              <a:t>30.11.2023</a:t>
             </a:fld>
             <a:endParaRPr lang="ru-RU"/>
           </a:p>
@@ -3042,7 +3045,7 @@
           <a:p>
             <a:fld id="{DB9F53D1-A45D-42A0-860E-F6E788FC6D32}" type="datetimeFigureOut">
               <a:rPr lang="ru-RU" smtClean="0"/>
-              <a:t>29.11.2023</a:t>
+              <a:t>30.11.2023</a:t>
             </a:fld>
             <a:endParaRPr lang="ru-RU"/>
           </a:p>
@@ -3222,7 +3225,7 @@
           <a:p>
             <a:fld id="{DB9F53D1-A45D-42A0-860E-F6E788FC6D32}" type="datetimeFigureOut">
               <a:rPr lang="ru-RU" smtClean="0"/>
-              <a:t>29.11.2023</a:t>
+              <a:t>30.11.2023</a:t>
             </a:fld>
             <a:endParaRPr lang="ru-RU"/>
           </a:p>
@@ -3392,7 +3395,7 @@
           <a:p>
             <a:fld id="{DB9F53D1-A45D-42A0-860E-F6E788FC6D32}" type="datetimeFigureOut">
               <a:rPr lang="ru-RU" smtClean="0"/>
-              <a:t>29.11.2023</a:t>
+              <a:t>30.11.2023</a:t>
             </a:fld>
             <a:endParaRPr lang="ru-RU"/>
           </a:p>
@@ -3639,7 +3642,7 @@
           <a:p>
             <a:fld id="{DB9F53D1-A45D-42A0-860E-F6E788FC6D32}" type="datetimeFigureOut">
               <a:rPr lang="ru-RU" smtClean="0"/>
-              <a:t>29.11.2023</a:t>
+              <a:t>30.11.2023</a:t>
             </a:fld>
             <a:endParaRPr lang="ru-RU"/>
           </a:p>
@@ -3931,7 +3934,7 @@
           <a:p>
             <a:fld id="{DB9F53D1-A45D-42A0-860E-F6E788FC6D32}" type="datetimeFigureOut">
               <a:rPr lang="ru-RU" smtClean="0"/>
-              <a:t>29.11.2023</a:t>
+              <a:t>30.11.2023</a:t>
             </a:fld>
             <a:endParaRPr lang="ru-RU"/>
           </a:p>
@@ -4375,7 +4378,7 @@
           <a:p>
             <a:fld id="{DB9F53D1-A45D-42A0-860E-F6E788FC6D32}" type="datetimeFigureOut">
               <a:rPr lang="ru-RU" smtClean="0"/>
-              <a:t>29.11.2023</a:t>
+              <a:t>30.11.2023</a:t>
             </a:fld>
             <a:endParaRPr lang="ru-RU"/>
           </a:p>
@@ -4493,7 +4496,7 @@
           <a:p>
             <a:fld id="{DB9F53D1-A45D-42A0-860E-F6E788FC6D32}" type="datetimeFigureOut">
               <a:rPr lang="ru-RU" smtClean="0"/>
-              <a:t>29.11.2023</a:t>
+              <a:t>30.11.2023</a:t>
             </a:fld>
             <a:endParaRPr lang="ru-RU"/>
           </a:p>
@@ -4588,7 +4591,7 @@
           <a:p>
             <a:fld id="{DB9F53D1-A45D-42A0-860E-F6E788FC6D32}" type="datetimeFigureOut">
               <a:rPr lang="ru-RU" smtClean="0"/>
-              <a:t>29.11.2023</a:t>
+              <a:t>30.11.2023</a:t>
             </a:fld>
             <a:endParaRPr lang="ru-RU"/>
           </a:p>
@@ -4867,7 +4870,7 @@
           <a:p>
             <a:fld id="{DB9F53D1-A45D-42A0-860E-F6E788FC6D32}" type="datetimeFigureOut">
               <a:rPr lang="ru-RU" smtClean="0"/>
-              <a:t>29.11.2023</a:t>
+              <a:t>30.11.2023</a:t>
             </a:fld>
             <a:endParaRPr lang="ru-RU"/>
           </a:p>
@@ -5142,7 +5145,7 @@
           <a:p>
             <a:fld id="{DB9F53D1-A45D-42A0-860E-F6E788FC6D32}" type="datetimeFigureOut">
               <a:rPr lang="ru-RU" smtClean="0"/>
-              <a:t>29.11.2023</a:t>
+              <a:t>30.11.2023</a:t>
             </a:fld>
             <a:endParaRPr lang="ru-RU"/>
           </a:p>
@@ -5574,7 +5577,7 @@
           <a:p>
             <a:fld id="{DB9F53D1-A45D-42A0-860E-F6E788FC6D32}" type="datetimeFigureOut">
               <a:rPr lang="ru-RU" smtClean="0"/>
-              <a:t>29.11.2023</a:t>
+              <a:t>30.11.2023</a:t>
             </a:fld>
             <a:endParaRPr lang="ru-RU"/>
           </a:p>
@@ -6195,10 +6198,18 @@
               <a:t>MONEY</a:t>
             </a:r>
             <a:r>
-              <a:rPr lang="en-US" sz="4800" dirty="0"/>
+              <a:rPr lang="en-US" sz="4800" dirty="0">
+                <a:solidFill>
+                  <a:srgbClr val="002060"/>
+                </a:solidFill>
+              </a:rPr>
               <a:t>LIVE</a:t>
             </a:r>
-            <a:endParaRPr lang="ru-BY" sz="4800" dirty="0"/>
+            <a:endParaRPr lang="ru-BY" sz="4800" dirty="0">
+              <a:solidFill>
+                <a:srgbClr val="002060"/>
+              </a:solidFill>
+            </a:endParaRPr>
           </a:p>
         </p:txBody>
       </p:sp>
@@ -6315,1063 +6326,7 @@
 </p:sld>
 </file>
 
-<file path=ppt/slides/slide2.xml><?xml version="1.0" encoding="utf-8"?>
-<p:sld xmlns:a="http://schemas.openxmlformats.org/drawingml/2006/main" xmlns:r="http://schemas.openxmlformats.org/officeDocument/2006/relationships" xmlns:p="http://schemas.openxmlformats.org/presentationml/2006/main" showMasterSp="0">
-  <p:cSld>
-    <p:spTree>
-      <p:nvGrpSpPr>
-        <p:cNvPr id="1" name=""/>
-        <p:cNvGrpSpPr/>
-        <p:nvPr/>
-      </p:nvGrpSpPr>
-      <p:grpSpPr>
-        <a:xfrm>
-          <a:off x="0" y="0"/>
-          <a:ext cx="0" cy="0"/>
-          <a:chOff x="0" y="0"/>
-          <a:chExt cx="0" cy="0"/>
-        </a:xfrm>
-      </p:grpSpPr>
-      <p:sp>
-        <p:nvSpPr>
-          <p:cNvPr id="11" name="TextBox 10">
-            <a:extLst>
-              <a:ext uri="{FF2B5EF4-FFF2-40B4-BE49-F238E27FC236}">
-                <a16:creationId xmlns:a16="http://schemas.microsoft.com/office/drawing/2014/main" id="{521CB350-94DF-4B53-BBBD-6BE63D90E837}"/>
-              </a:ext>
-            </a:extLst>
-          </p:cNvPr>
-          <p:cNvSpPr txBox="1"/>
-          <p:nvPr/>
-        </p:nvSpPr>
-        <p:spPr>
-          <a:xfrm>
-            <a:off x="373498" y="307495"/>
-            <a:ext cx="5827236" cy="646331"/>
-          </a:xfrm>
-          <a:prstGeom prst="rect">
-            <a:avLst/>
-          </a:prstGeom>
-          <a:noFill/>
-        </p:spPr>
-        <p:txBody>
-          <a:bodyPr wrap="none" rtlCol="0">
-            <a:spAutoFit/>
-          </a:bodyPr>
-          <a:lstStyle/>
-          <a:p>
-            <a:r>
-              <a:rPr lang="ru-RU" sz="3600" b="1" dirty="0"/>
-              <a:t>Описание мероприятия</a:t>
-            </a:r>
-            <a:endParaRPr lang="ru-BY" sz="3600" dirty="0"/>
-          </a:p>
-        </p:txBody>
-      </p:sp>
-      <p:sp>
-        <p:nvSpPr>
-          <p:cNvPr id="14" name="TextBox 13">
-            <a:extLst>
-              <a:ext uri="{FF2B5EF4-FFF2-40B4-BE49-F238E27FC236}">
-                <a16:creationId xmlns:a16="http://schemas.microsoft.com/office/drawing/2014/main" id="{1C0425E0-B082-4F51-BB0A-7C74550FB558}"/>
-              </a:ext>
-            </a:extLst>
-          </p:cNvPr>
-          <p:cNvSpPr txBox="1"/>
-          <p:nvPr/>
-        </p:nvSpPr>
-        <p:spPr>
-          <a:xfrm>
-            <a:off x="373498" y="1779968"/>
-            <a:ext cx="6066178" cy="4124206"/>
-          </a:xfrm>
-          <a:prstGeom prst="rect">
-            <a:avLst/>
-          </a:prstGeom>
-          <a:noFill/>
-        </p:spPr>
-        <p:txBody>
-          <a:bodyPr wrap="square">
-            <a:spAutoFit/>
-          </a:bodyPr>
-          <a:lstStyle/>
-          <a:p>
-            <a:r>
-              <a:rPr lang="en-US" sz="2200" b="1" dirty="0" err="1"/>
-              <a:t>MoneyLIVE</a:t>
-            </a:r>
-            <a:r>
-              <a:rPr lang="en-US" sz="2200" dirty="0"/>
-              <a:t> – </a:t>
-            </a:r>
-            <a:r>
-              <a:rPr lang="ru-RU" sz="2200" dirty="0"/>
-              <a:t>саммит, на котором прогнозируется будущее разработок в банковской отрасли, сфере платежей и цифровых банках. </a:t>
-            </a:r>
-            <a:r>
-              <a:rPr lang="ru-RU" sz="2200" b="1" dirty="0"/>
-              <a:t>MoneyLIVE</a:t>
-            </a:r>
-            <a:r>
-              <a:rPr lang="ru-RU" sz="2200" dirty="0"/>
-              <a:t> Asia разработан банками для банков.</a:t>
-            </a:r>
-          </a:p>
-          <a:p>
-            <a:endParaRPr lang="ru-RU" sz="2200" dirty="0"/>
-          </a:p>
-          <a:p>
-            <a:endParaRPr lang="ru-RU" sz="2200" dirty="0"/>
-          </a:p>
-          <a:p>
-            <a:endParaRPr lang="ru-RU" sz="2200" dirty="0"/>
-          </a:p>
-          <a:p>
-            <a:endParaRPr lang="ru-RU" sz="2200" dirty="0"/>
-          </a:p>
-          <a:p>
-            <a:endParaRPr lang="ru-RU" sz="2200" dirty="0"/>
-          </a:p>
-          <a:p>
-            <a:r>
-              <a:rPr lang="ru-RU" sz="2200" b="1" dirty="0"/>
-              <a:t>Место проведения</a:t>
-            </a:r>
-            <a:r>
-              <a:rPr lang="en-US" sz="2200" b="1" dirty="0"/>
-              <a:t>:</a:t>
-            </a:r>
-            <a:r>
-              <a:rPr lang="en-US" sz="2200" dirty="0"/>
-              <a:t> </a:t>
-            </a:r>
-            <a:r>
-              <a:rPr lang="en-US" sz="2000" i="1" dirty="0"/>
-              <a:t>QEII Centre, London</a:t>
-            </a:r>
-          </a:p>
-          <a:p>
-            <a:r>
-              <a:rPr lang="ru-RU" sz="2000" b="1" dirty="0"/>
-              <a:t>Дата саммита</a:t>
-            </a:r>
-            <a:r>
-              <a:rPr lang="en-US" sz="2000" b="1" dirty="0"/>
-              <a:t>: </a:t>
-            </a:r>
-            <a:r>
-              <a:rPr lang="en-US" sz="2000" i="1" dirty="0"/>
-              <a:t>6-7 </a:t>
-            </a:r>
-            <a:r>
-              <a:rPr lang="ru-RU" sz="2000" i="1" dirty="0"/>
-              <a:t>марта 2024</a:t>
-            </a:r>
-            <a:endParaRPr lang="en-US" sz="2000" dirty="0"/>
-          </a:p>
-        </p:txBody>
-      </p:sp>
-      <p:pic>
-        <p:nvPicPr>
-          <p:cNvPr id="2058" name="Picture 10" descr="MoneyLIVE Summit - QEII Centre">
-            <a:extLst>
-              <a:ext uri="{FF2B5EF4-FFF2-40B4-BE49-F238E27FC236}">
-                <a16:creationId xmlns:a16="http://schemas.microsoft.com/office/drawing/2014/main" id="{1CAFEE88-52D0-4807-8706-07C3C8C60FF7}"/>
-              </a:ext>
-            </a:extLst>
-          </p:cNvPr>
-          <p:cNvPicPr>
-            <a:picLocks noChangeAspect="1" noChangeArrowheads="1"/>
-          </p:cNvPicPr>
-          <p:nvPr/>
-        </p:nvPicPr>
-        <p:blipFill>
-          <a:blip r:embed="rId2" cstate="print">
-            <a:extLst>
-              <a:ext uri="{28A0092B-C50C-407E-A947-70E740481C1C}">
-                <a14:useLocalDpi xmlns:a14="http://schemas.microsoft.com/office/drawing/2010/main" val="0"/>
-              </a:ext>
-            </a:extLst>
-          </a:blip>
-          <a:srcRect/>
-          <a:stretch>
-            <a:fillRect/>
-          </a:stretch>
-        </p:blipFill>
-        <p:spPr bwMode="auto">
-          <a:xfrm>
-            <a:off x="10698356" y="1386498"/>
-            <a:ext cx="2545156" cy="1696771"/>
-          </a:xfrm>
-          <a:prstGeom prst="rect">
-            <a:avLst/>
-          </a:prstGeom>
-          <a:noFill/>
-          <a:extLst>
-            <a:ext uri="{909E8E84-426E-40DD-AFC4-6F175D3DCCD1}">
-              <a14:hiddenFill xmlns:a14="http://schemas.microsoft.com/office/drawing/2010/main">
-                <a:solidFill>
-                  <a:srgbClr val="FFFFFF"/>
-                </a:solidFill>
-              </a14:hiddenFill>
-            </a:ext>
-          </a:extLst>
-        </p:spPr>
-      </p:pic>
-      <p:sp>
-        <p:nvSpPr>
-          <p:cNvPr id="9" name="AutoShape 12" descr="In case you missed it: Insights from MoneyLIVE">
-            <a:extLst>
-              <a:ext uri="{FF2B5EF4-FFF2-40B4-BE49-F238E27FC236}">
-                <a16:creationId xmlns:a16="http://schemas.microsoft.com/office/drawing/2014/main" id="{4668B771-FE44-4797-800A-929B18EED541}"/>
-              </a:ext>
-            </a:extLst>
-          </p:cNvPr>
-          <p:cNvSpPr>
-            <a:spLocks noChangeAspect="1" noChangeArrowheads="1"/>
-          </p:cNvSpPr>
-          <p:nvPr/>
-        </p:nvSpPr>
-        <p:spPr bwMode="auto">
-          <a:xfrm>
-            <a:off x="5943600" y="3276600"/>
-            <a:ext cx="304800" cy="304800"/>
-          </a:xfrm>
-          <a:prstGeom prst="rect">
-            <a:avLst/>
-          </a:prstGeom>
-          <a:noFill/>
-          <a:extLst>
-            <a:ext uri="{909E8E84-426E-40DD-AFC4-6F175D3DCCD1}">
-              <a14:hiddenFill xmlns:a14="http://schemas.microsoft.com/office/drawing/2010/main">
-                <a:solidFill>
-                  <a:srgbClr val="FFFFFF"/>
-                </a:solidFill>
-              </a14:hiddenFill>
-            </a:ext>
-          </a:extLst>
-        </p:spPr>
-        <p:txBody>
-          <a:bodyPr vert="horz" wrap="square" lIns="91440" tIns="45720" rIns="91440" bIns="45720" numCol="1" anchor="t" anchorCtr="0" compatLnSpc="1">
-            <a:prstTxWarp prst="textNoShape">
-              <a:avLst/>
-            </a:prstTxWarp>
-          </a:bodyPr>
-          <a:lstStyle/>
-          <a:p>
-            <a:endParaRPr lang="en-US"/>
-          </a:p>
-        </p:txBody>
-      </p:sp>
-      <p:pic>
-        <p:nvPicPr>
-          <p:cNvPr id="2062" name="Picture 14" descr="MoneyLIVE Summit - QEII Centre">
-            <a:extLst>
-              <a:ext uri="{FF2B5EF4-FFF2-40B4-BE49-F238E27FC236}">
-                <a16:creationId xmlns:a16="http://schemas.microsoft.com/office/drawing/2014/main" id="{14DD0F9E-DF6E-40C6-96F0-BE56B7C019EA}"/>
-              </a:ext>
-            </a:extLst>
-          </p:cNvPr>
-          <p:cNvPicPr>
-            <a:picLocks noChangeAspect="1" noChangeArrowheads="1"/>
-          </p:cNvPicPr>
-          <p:nvPr/>
-        </p:nvPicPr>
-        <p:blipFill>
-          <a:blip r:embed="rId3" cstate="print">
-            <a:extLst>
-              <a:ext uri="{28A0092B-C50C-407E-A947-70E740481C1C}">
-                <a14:useLocalDpi xmlns:a14="http://schemas.microsoft.com/office/drawing/2010/main" val="0"/>
-              </a:ext>
-            </a:extLst>
-          </a:blip>
-          <a:srcRect/>
-          <a:stretch>
-            <a:fillRect/>
-          </a:stretch>
-        </p:blipFill>
-        <p:spPr bwMode="auto">
-          <a:xfrm>
-            <a:off x="9915852" y="3050263"/>
-            <a:ext cx="2736558" cy="1824372"/>
-          </a:xfrm>
-          <a:prstGeom prst="rect">
-            <a:avLst/>
-          </a:prstGeom>
-          <a:noFill/>
-          <a:extLst>
-            <a:ext uri="{909E8E84-426E-40DD-AFC4-6F175D3DCCD1}">
-              <a14:hiddenFill xmlns:a14="http://schemas.microsoft.com/office/drawing/2010/main">
-                <a:solidFill>
-                  <a:srgbClr val="FFFFFF"/>
-                </a:solidFill>
-              </a14:hiddenFill>
-            </a:ext>
-          </a:extLst>
-        </p:spPr>
-      </p:pic>
-      <p:pic>
-        <p:nvPicPr>
-          <p:cNvPr id="2072" name="Picture 24" descr="MoneyLIVE | LinkedIn">
-            <a:extLst>
-              <a:ext uri="{FF2B5EF4-FFF2-40B4-BE49-F238E27FC236}">
-                <a16:creationId xmlns:a16="http://schemas.microsoft.com/office/drawing/2014/main" id="{BAB34650-D5E0-4A67-8F87-19AFB35EF66D}"/>
-              </a:ext>
-            </a:extLst>
-          </p:cNvPr>
-          <p:cNvPicPr>
-            <a:picLocks noChangeAspect="1" noChangeArrowheads="1"/>
-          </p:cNvPicPr>
-          <p:nvPr/>
-        </p:nvPicPr>
-        <p:blipFill>
-          <a:blip r:embed="rId4" cstate="print">
-            <a:extLst>
-              <a:ext uri="{28A0092B-C50C-407E-A947-70E740481C1C}">
-                <a14:useLocalDpi xmlns:a14="http://schemas.microsoft.com/office/drawing/2010/main" val="0"/>
-              </a:ext>
-            </a:extLst>
-          </a:blip>
-          <a:srcRect/>
-          <a:stretch>
-            <a:fillRect/>
-          </a:stretch>
-        </p:blipFill>
-        <p:spPr bwMode="auto">
-          <a:xfrm>
-            <a:off x="7435895" y="4274904"/>
-            <a:ext cx="2888801" cy="1925273"/>
-          </a:xfrm>
-          <a:prstGeom prst="rect">
-            <a:avLst/>
-          </a:prstGeom>
-          <a:noFill/>
-          <a:extLst>
-            <a:ext uri="{909E8E84-426E-40DD-AFC4-6F175D3DCCD1}">
-              <a14:hiddenFill xmlns:a14="http://schemas.microsoft.com/office/drawing/2010/main">
-                <a:solidFill>
-                  <a:srgbClr val="FFFFFF"/>
-                </a:solidFill>
-              </a14:hiddenFill>
-            </a:ext>
-          </a:extLst>
-        </p:spPr>
-      </p:pic>
-      <p:pic>
-        <p:nvPicPr>
-          <p:cNvPr id="2066" name="Picture 18" descr="MoneyLive: a conference at the QEII Centre | Owen Billcliffe Photography">
-            <a:extLst>
-              <a:ext uri="{FF2B5EF4-FFF2-40B4-BE49-F238E27FC236}">
-                <a16:creationId xmlns:a16="http://schemas.microsoft.com/office/drawing/2014/main" id="{70162FE4-CC31-42F0-903A-BCCFE9FBFEFE}"/>
-              </a:ext>
-            </a:extLst>
-          </p:cNvPr>
-          <p:cNvPicPr>
-            <a:picLocks noChangeAspect="1" noChangeArrowheads="1"/>
-          </p:cNvPicPr>
-          <p:nvPr/>
-        </p:nvPicPr>
-        <p:blipFill>
-          <a:blip r:embed="rId5" cstate="print">
-            <a:extLst>
-              <a:ext uri="{28A0092B-C50C-407E-A947-70E740481C1C}">
-                <a14:useLocalDpi xmlns:a14="http://schemas.microsoft.com/office/drawing/2010/main" val="0"/>
-              </a:ext>
-            </a:extLst>
-          </a:blip>
-          <a:srcRect/>
-          <a:stretch>
-            <a:fillRect/>
-          </a:stretch>
-        </p:blipFill>
-        <p:spPr bwMode="auto">
-          <a:xfrm>
-            <a:off x="7030778" y="2840305"/>
-            <a:ext cx="3051495" cy="2034330"/>
-          </a:xfrm>
-          <a:prstGeom prst="rect">
-            <a:avLst/>
-          </a:prstGeom>
-          <a:noFill/>
-          <a:extLst>
-            <a:ext uri="{909E8E84-426E-40DD-AFC4-6F175D3DCCD1}">
-              <a14:hiddenFill xmlns:a14="http://schemas.microsoft.com/office/drawing/2010/main">
-                <a:solidFill>
-                  <a:srgbClr val="FFFFFF"/>
-                </a:solidFill>
-              </a14:hiddenFill>
-            </a:ext>
-          </a:extLst>
-        </p:spPr>
-      </p:pic>
-      <p:pic>
-        <p:nvPicPr>
-          <p:cNvPr id="2070" name="Picture 22" descr="MoneyLIVE Summit - QEII Centre">
-            <a:extLst>
-              <a:ext uri="{FF2B5EF4-FFF2-40B4-BE49-F238E27FC236}">
-                <a16:creationId xmlns:a16="http://schemas.microsoft.com/office/drawing/2014/main" id="{5C71E350-F5E1-45A1-9FAD-673483BDFC9D}"/>
-              </a:ext>
-            </a:extLst>
-          </p:cNvPr>
-          <p:cNvPicPr>
-            <a:picLocks noChangeAspect="1" noChangeArrowheads="1"/>
-          </p:cNvPicPr>
-          <p:nvPr/>
-        </p:nvPicPr>
-        <p:blipFill>
-          <a:blip r:embed="rId6" cstate="print">
-            <a:extLst>
-              <a:ext uri="{28A0092B-C50C-407E-A947-70E740481C1C}">
-                <a14:useLocalDpi xmlns:a14="http://schemas.microsoft.com/office/drawing/2010/main" val="0"/>
-              </a:ext>
-            </a:extLst>
-          </a:blip>
-          <a:srcRect/>
-          <a:stretch>
-            <a:fillRect/>
-          </a:stretch>
-        </p:blipFill>
-        <p:spPr bwMode="auto">
-          <a:xfrm>
-            <a:off x="9646844" y="4874635"/>
-            <a:ext cx="2545156" cy="1696771"/>
-          </a:xfrm>
-          <a:prstGeom prst="rect">
-            <a:avLst/>
-          </a:prstGeom>
-          <a:noFill/>
-          <a:extLst>
-            <a:ext uri="{909E8E84-426E-40DD-AFC4-6F175D3DCCD1}">
-              <a14:hiddenFill xmlns:a14="http://schemas.microsoft.com/office/drawing/2010/main">
-                <a:solidFill>
-                  <a:srgbClr val="FFFFFF"/>
-                </a:solidFill>
-              </a14:hiddenFill>
-            </a:ext>
-          </a:extLst>
-        </p:spPr>
-      </p:pic>
-      <p:pic>
-        <p:nvPicPr>
-          <p:cNvPr id="2068" name="Picture 20" descr="MoneyLIVE Summit - QEII Centre">
-            <a:extLst>
-              <a:ext uri="{FF2B5EF4-FFF2-40B4-BE49-F238E27FC236}">
-                <a16:creationId xmlns:a16="http://schemas.microsoft.com/office/drawing/2014/main" id="{AB2FCDB4-F15D-490B-B478-E43A688E1527}"/>
-              </a:ext>
-            </a:extLst>
-          </p:cNvPr>
-          <p:cNvPicPr>
-            <a:picLocks noChangeAspect="1" noChangeArrowheads="1"/>
-          </p:cNvPicPr>
-          <p:nvPr/>
-        </p:nvPicPr>
-        <p:blipFill>
-          <a:blip r:embed="rId7" cstate="print">
-            <a:extLst>
-              <a:ext uri="{28A0092B-C50C-407E-A947-70E740481C1C}">
-                <a14:useLocalDpi xmlns:a14="http://schemas.microsoft.com/office/drawing/2010/main" val="0"/>
-              </a:ext>
-            </a:extLst>
-          </a:blip>
-          <a:srcRect/>
-          <a:stretch>
-            <a:fillRect/>
-          </a:stretch>
-        </p:blipFill>
-        <p:spPr bwMode="auto">
-          <a:xfrm>
-            <a:off x="7308301" y="744904"/>
-            <a:ext cx="3570713" cy="2380475"/>
-          </a:xfrm>
-          <a:prstGeom prst="rect">
-            <a:avLst/>
-          </a:prstGeom>
-          <a:noFill/>
-          <a:extLst>
-            <a:ext uri="{909E8E84-426E-40DD-AFC4-6F175D3DCCD1}">
-              <a14:hiddenFill xmlns:a14="http://schemas.microsoft.com/office/drawing/2010/main">
-                <a:solidFill>
-                  <a:srgbClr val="FFFFFF"/>
-                </a:solidFill>
-              </a14:hiddenFill>
-            </a:ext>
-          </a:extLst>
-        </p:spPr>
-      </p:pic>
-    </p:spTree>
-    <p:extLst>
-      <p:ext uri="{BB962C8B-B14F-4D97-AF65-F5344CB8AC3E}">
-        <p14:creationId xmlns:p14="http://schemas.microsoft.com/office/powerpoint/2010/main" val="4177181283"/>
-      </p:ext>
-    </p:extLst>
-  </p:cSld>
-  <p:clrMapOvr>
-    <a:masterClrMapping/>
-  </p:clrMapOvr>
-</p:sld>
-</file>
-
-<file path=ppt/slides/slide3.xml><?xml version="1.0" encoding="utf-8"?>
-<p:sld xmlns:a="http://schemas.openxmlformats.org/drawingml/2006/main" xmlns:r="http://schemas.openxmlformats.org/officeDocument/2006/relationships" xmlns:p="http://schemas.openxmlformats.org/presentationml/2006/main" showMasterSp="0">
-  <p:cSld>
-    <p:spTree>
-      <p:nvGrpSpPr>
-        <p:cNvPr id="1" name=""/>
-        <p:cNvGrpSpPr/>
-        <p:nvPr/>
-      </p:nvGrpSpPr>
-      <p:grpSpPr>
-        <a:xfrm>
-          <a:off x="0" y="0"/>
-          <a:ext cx="0" cy="0"/>
-          <a:chOff x="0" y="0"/>
-          <a:chExt cx="0" cy="0"/>
-        </a:xfrm>
-      </p:grpSpPr>
-      <p:sp>
-        <p:nvSpPr>
-          <p:cNvPr id="8" name="Заголовок 1">
-            <a:extLst>
-              <a:ext uri="{FF2B5EF4-FFF2-40B4-BE49-F238E27FC236}">
-                <a16:creationId xmlns:a16="http://schemas.microsoft.com/office/drawing/2014/main" id="{86DD6D96-0E43-47CB-9E68-29A1349A5AAF}"/>
-              </a:ext>
-            </a:extLst>
-          </p:cNvPr>
-          <p:cNvSpPr>
-            <a:spLocks noGrp="1"/>
-          </p:cNvSpPr>
-          <p:nvPr>
-            <p:ph type="title"/>
-          </p:nvPr>
-        </p:nvSpPr>
-        <p:spPr>
-          <a:xfrm>
-            <a:off x="5226988" y="276457"/>
-            <a:ext cx="6517600" cy="631604"/>
-          </a:xfrm>
-        </p:spPr>
-        <p:txBody>
-          <a:bodyPr/>
-          <a:lstStyle/>
-          <a:p>
-            <a:r>
-              <a:rPr lang="ru-RU" sz="3600" b="1" dirty="0">
-                <a:solidFill>
-                  <a:schemeClr val="tx1"/>
-                </a:solidFill>
-                <a:latin typeface="+mn-lt"/>
-              </a:rPr>
-              <a:t>Реквизит</a:t>
-            </a:r>
-          </a:p>
-        </p:txBody>
-      </p:sp>
-      <p:sp>
-        <p:nvSpPr>
-          <p:cNvPr id="2" name="Rectangle 1">
-            <a:extLst>
-              <a:ext uri="{FF2B5EF4-FFF2-40B4-BE49-F238E27FC236}">
-                <a16:creationId xmlns:a16="http://schemas.microsoft.com/office/drawing/2014/main" id="{FA3DE012-1D1F-44C1-9CB4-5F3B4D1A38E3}"/>
-              </a:ext>
-            </a:extLst>
-          </p:cNvPr>
-          <p:cNvSpPr/>
-          <p:nvPr/>
-        </p:nvSpPr>
-        <p:spPr>
-          <a:xfrm>
-            <a:off x="5226987" y="1305342"/>
-            <a:ext cx="6811085" cy="1107996"/>
-          </a:xfrm>
-          <a:prstGeom prst="rect">
-            <a:avLst/>
-          </a:prstGeom>
-        </p:spPr>
-        <p:txBody>
-          <a:bodyPr wrap="square">
-            <a:spAutoFit/>
-          </a:bodyPr>
-          <a:lstStyle/>
-          <a:p>
-            <a:r>
-              <a:rPr lang="ru-RU" sz="2200" dirty="0"/>
-              <a:t>Главными компонентами нашего стенда будут являться </a:t>
-            </a:r>
-            <a:r>
-              <a:rPr lang="ru-RU" sz="2200" b="1" dirty="0"/>
-              <a:t>презентации наших продуктов </a:t>
-            </a:r>
-            <a:r>
-              <a:rPr lang="ru-RU" sz="2200" dirty="0"/>
-              <a:t>и </a:t>
-            </a:r>
-            <a:r>
-              <a:rPr lang="ru-RU" sz="2200" b="1" dirty="0"/>
-              <a:t>брошюры</a:t>
-            </a:r>
-            <a:r>
-              <a:rPr lang="ru-RU" sz="2200" dirty="0"/>
-              <a:t> с описанием наших решений.</a:t>
-            </a:r>
-            <a:endParaRPr lang="en-US" sz="2200" b="1" dirty="0"/>
-          </a:p>
-        </p:txBody>
-      </p:sp>
-      <p:pic>
-        <p:nvPicPr>
-          <p:cNvPr id="3074" name="Picture 2" descr="la presentation">
-            <a:extLst>
-              <a:ext uri="{FF2B5EF4-FFF2-40B4-BE49-F238E27FC236}">
-                <a16:creationId xmlns:a16="http://schemas.microsoft.com/office/drawing/2014/main" id="{EC3DC4B4-6FEC-486C-A5D0-2AE823E177C4}"/>
-              </a:ext>
-            </a:extLst>
-          </p:cNvPr>
-          <p:cNvPicPr>
-            <a:picLocks noChangeAspect="1" noChangeArrowheads="1"/>
-          </p:cNvPicPr>
-          <p:nvPr/>
-        </p:nvPicPr>
-        <p:blipFill>
-          <a:blip r:embed="rId2">
-            <a:extLst>
-              <a:ext uri="{28A0092B-C50C-407E-A947-70E740481C1C}">
-                <a14:useLocalDpi xmlns:a14="http://schemas.microsoft.com/office/drawing/2010/main" val="0"/>
-              </a:ext>
-            </a:extLst>
-          </a:blip>
-          <a:srcRect/>
-          <a:stretch>
-            <a:fillRect/>
-          </a:stretch>
-        </p:blipFill>
-        <p:spPr bwMode="auto">
-          <a:xfrm>
-            <a:off x="496309" y="908061"/>
-            <a:ext cx="2068181" cy="2476434"/>
-          </a:xfrm>
-          <a:prstGeom prst="rect">
-            <a:avLst/>
-          </a:prstGeom>
-          <a:noFill/>
-          <a:extLst>
-            <a:ext uri="{909E8E84-426E-40DD-AFC4-6F175D3DCCD1}">
-              <a14:hiddenFill xmlns:a14="http://schemas.microsoft.com/office/drawing/2010/main">
-                <a:solidFill>
-                  <a:srgbClr val="FFFFFF"/>
-                </a:solidFill>
-              </a14:hiddenFill>
-            </a:ext>
-          </a:extLst>
-        </p:spPr>
-      </p:pic>
-      <p:pic>
-        <p:nvPicPr>
-          <p:cNvPr id="3078" name="Picture 6" descr="tp presentation">
-            <a:extLst>
-              <a:ext uri="{FF2B5EF4-FFF2-40B4-BE49-F238E27FC236}">
-                <a16:creationId xmlns:a16="http://schemas.microsoft.com/office/drawing/2014/main" id="{B0829FE7-CCF7-4A66-8040-63A483836BB3}"/>
-              </a:ext>
-            </a:extLst>
-          </p:cNvPr>
-          <p:cNvPicPr>
-            <a:picLocks noChangeAspect="1" noChangeArrowheads="1"/>
-          </p:cNvPicPr>
-          <p:nvPr/>
-        </p:nvPicPr>
-        <p:blipFill>
-          <a:blip r:embed="rId3">
-            <a:extLst>
-              <a:ext uri="{28A0092B-C50C-407E-A947-70E740481C1C}">
-                <a14:useLocalDpi xmlns:a14="http://schemas.microsoft.com/office/drawing/2010/main" val="0"/>
-              </a:ext>
-            </a:extLst>
-          </a:blip>
-          <a:srcRect/>
-          <a:stretch>
-            <a:fillRect/>
-          </a:stretch>
-        </p:blipFill>
-        <p:spPr bwMode="auto">
-          <a:xfrm>
-            <a:off x="2564490" y="908061"/>
-            <a:ext cx="1992103" cy="2380176"/>
-          </a:xfrm>
-          <a:prstGeom prst="rect">
-            <a:avLst/>
-          </a:prstGeom>
-          <a:noFill/>
-          <a:extLst>
-            <a:ext uri="{909E8E84-426E-40DD-AFC4-6F175D3DCCD1}">
-              <a14:hiddenFill xmlns:a14="http://schemas.microsoft.com/office/drawing/2010/main">
-                <a:solidFill>
-                  <a:srgbClr val="FFFFFF"/>
-                </a:solidFill>
-              </a14:hiddenFill>
-            </a:ext>
-          </a:extLst>
-        </p:spPr>
-      </p:pic>
-      <p:pic>
-        <p:nvPicPr>
-          <p:cNvPr id="3080" name="Picture 8" descr="tr presentation">
-            <a:extLst>
-              <a:ext uri="{FF2B5EF4-FFF2-40B4-BE49-F238E27FC236}">
-                <a16:creationId xmlns:a16="http://schemas.microsoft.com/office/drawing/2014/main" id="{63DBF60A-FED4-41E8-BEB5-0463A40081FE}"/>
-              </a:ext>
-            </a:extLst>
-          </p:cNvPr>
-          <p:cNvPicPr>
-            <a:picLocks noChangeAspect="1" noChangeArrowheads="1"/>
-          </p:cNvPicPr>
-          <p:nvPr/>
-        </p:nvPicPr>
-        <p:blipFill>
-          <a:blip r:embed="rId4">
-            <a:extLst>
-              <a:ext uri="{28A0092B-C50C-407E-A947-70E740481C1C}">
-                <a14:useLocalDpi xmlns:a14="http://schemas.microsoft.com/office/drawing/2010/main" val="0"/>
-              </a:ext>
-            </a:extLst>
-          </a:blip>
-          <a:srcRect/>
-          <a:stretch>
-            <a:fillRect/>
-          </a:stretch>
-        </p:blipFill>
-        <p:spPr bwMode="auto">
-          <a:xfrm>
-            <a:off x="452903" y="3288237"/>
-            <a:ext cx="2071759" cy="2475349"/>
-          </a:xfrm>
-          <a:prstGeom prst="rect">
-            <a:avLst/>
-          </a:prstGeom>
-          <a:noFill/>
-          <a:extLst>
-            <a:ext uri="{909E8E84-426E-40DD-AFC4-6F175D3DCCD1}">
-              <a14:hiddenFill xmlns:a14="http://schemas.microsoft.com/office/drawing/2010/main">
-                <a:solidFill>
-                  <a:srgbClr val="FFFFFF"/>
-                </a:solidFill>
-              </a14:hiddenFill>
-            </a:ext>
-          </a:extLst>
-        </p:spPr>
-      </p:pic>
-      <p:pic>
-        <p:nvPicPr>
-          <p:cNvPr id="3082" name="Picture 10" descr="pamm presentation">
-            <a:extLst>
-              <a:ext uri="{FF2B5EF4-FFF2-40B4-BE49-F238E27FC236}">
-                <a16:creationId xmlns:a16="http://schemas.microsoft.com/office/drawing/2014/main" id="{77C6E673-053A-4D70-833D-5A2C02BFDBA8}"/>
-              </a:ext>
-            </a:extLst>
-          </p:cNvPr>
-          <p:cNvPicPr>
-            <a:picLocks noChangeAspect="1" noChangeArrowheads="1"/>
-          </p:cNvPicPr>
-          <p:nvPr/>
-        </p:nvPicPr>
-        <p:blipFill>
-          <a:blip r:embed="rId5">
-            <a:extLst>
-              <a:ext uri="{28A0092B-C50C-407E-A947-70E740481C1C}">
-                <a14:useLocalDpi xmlns:a14="http://schemas.microsoft.com/office/drawing/2010/main" val="0"/>
-              </a:ext>
-            </a:extLst>
-          </a:blip>
-          <a:srcRect/>
-          <a:stretch>
-            <a:fillRect/>
-          </a:stretch>
-        </p:blipFill>
-        <p:spPr bwMode="auto">
-          <a:xfrm>
-            <a:off x="2564490" y="3257060"/>
-            <a:ext cx="2199739" cy="2633961"/>
-          </a:xfrm>
-          <a:prstGeom prst="rect">
-            <a:avLst/>
-          </a:prstGeom>
-          <a:noFill/>
-          <a:extLst>
-            <a:ext uri="{909E8E84-426E-40DD-AFC4-6F175D3DCCD1}">
-              <a14:hiddenFill xmlns:a14="http://schemas.microsoft.com/office/drawing/2010/main">
-                <a:solidFill>
-                  <a:srgbClr val="FFFFFF"/>
-                </a:solidFill>
-              </a14:hiddenFill>
-            </a:ext>
-          </a:extLst>
-        </p:spPr>
-      </p:pic>
-      <p:sp>
-        <p:nvSpPr>
-          <p:cNvPr id="3" name="TextBox 2">
-            <a:extLst>
-              <a:ext uri="{FF2B5EF4-FFF2-40B4-BE49-F238E27FC236}">
-                <a16:creationId xmlns:a16="http://schemas.microsoft.com/office/drawing/2014/main" id="{3A784DD8-44A2-418D-8DAA-709A9D7E9CAB}"/>
-              </a:ext>
-            </a:extLst>
-          </p:cNvPr>
-          <p:cNvSpPr txBox="1"/>
-          <p:nvPr/>
-        </p:nvSpPr>
-        <p:spPr>
-          <a:xfrm>
-            <a:off x="5190902" y="2810619"/>
-            <a:ext cx="6589772" cy="1785104"/>
-          </a:xfrm>
-          <a:prstGeom prst="rect">
-            <a:avLst/>
-          </a:prstGeom>
-          <a:noFill/>
-        </p:spPr>
-        <p:txBody>
-          <a:bodyPr wrap="square" rtlCol="0">
-            <a:spAutoFit/>
-          </a:bodyPr>
-          <a:lstStyle/>
-          <a:p>
-            <a:r>
-              <a:rPr lang="ru-RU" sz="2200" dirty="0"/>
-              <a:t>Дополнительно будет разработана </a:t>
-            </a:r>
-            <a:r>
-              <a:rPr lang="ru-RU" sz="2200" b="1" dirty="0"/>
-              <a:t>веб-страница</a:t>
-            </a:r>
-            <a:r>
-              <a:rPr lang="ru-RU" sz="2200" dirty="0"/>
-              <a:t> с подробным описанием продуктов. На странице будет возможность заказать демо-версию продукта или оставить свои контакты для связи.</a:t>
-            </a:r>
-            <a:r>
-              <a:rPr lang="en-US" sz="2200" dirty="0"/>
-              <a:t> </a:t>
-            </a:r>
-          </a:p>
-        </p:txBody>
-      </p:sp>
-      <p:sp>
-        <p:nvSpPr>
-          <p:cNvPr id="13" name="TextBox 12">
-            <a:extLst>
-              <a:ext uri="{FF2B5EF4-FFF2-40B4-BE49-F238E27FC236}">
-                <a16:creationId xmlns:a16="http://schemas.microsoft.com/office/drawing/2014/main" id="{A0DCC8D3-922B-4B38-BF3D-150301DC354E}"/>
-              </a:ext>
-            </a:extLst>
-          </p:cNvPr>
-          <p:cNvSpPr txBox="1"/>
-          <p:nvPr/>
-        </p:nvSpPr>
-        <p:spPr>
-          <a:xfrm>
-            <a:off x="5190902" y="5209588"/>
-            <a:ext cx="6589772" cy="1107996"/>
-          </a:xfrm>
-          <a:prstGeom prst="rect">
-            <a:avLst/>
-          </a:prstGeom>
-          <a:noFill/>
-        </p:spPr>
-        <p:txBody>
-          <a:bodyPr wrap="square" rtlCol="0">
-            <a:spAutoFit/>
-          </a:bodyPr>
-          <a:lstStyle/>
-          <a:p>
-            <a:r>
-              <a:rPr lang="ru-RU" sz="2200" i="1" dirty="0"/>
-              <a:t>Из сувенирова на стенде будет присутствовать флешки с логотипом компании </a:t>
-            </a:r>
-            <a:endParaRPr lang="en-US" sz="2200" i="1" dirty="0"/>
-          </a:p>
-        </p:txBody>
-      </p:sp>
-    </p:spTree>
-    <p:extLst>
-      <p:ext uri="{BB962C8B-B14F-4D97-AF65-F5344CB8AC3E}">
-        <p14:creationId xmlns:p14="http://schemas.microsoft.com/office/powerpoint/2010/main" val="3455076879"/>
-      </p:ext>
-    </p:extLst>
-  </p:cSld>
-  <p:clrMapOvr>
-    <a:masterClrMapping/>
-  </p:clrMapOvr>
-</p:sld>
-</file>
-
-<file path=ppt/slides/slide4.xml><?xml version="1.0" encoding="utf-8"?>
-<p:sld xmlns:a="http://schemas.openxmlformats.org/drawingml/2006/main" xmlns:r="http://schemas.openxmlformats.org/officeDocument/2006/relationships" xmlns:p="http://schemas.openxmlformats.org/presentationml/2006/main" showMasterSp="0">
-  <p:cSld>
-    <p:spTree>
-      <p:nvGrpSpPr>
-        <p:cNvPr id="1" name=""/>
-        <p:cNvGrpSpPr/>
-        <p:nvPr/>
-      </p:nvGrpSpPr>
-      <p:grpSpPr>
-        <a:xfrm>
-          <a:off x="0" y="0"/>
-          <a:ext cx="0" cy="0"/>
-          <a:chOff x="0" y="0"/>
-          <a:chExt cx="0" cy="0"/>
-        </a:xfrm>
-      </p:grpSpPr>
-      <p:sp>
-        <p:nvSpPr>
-          <p:cNvPr id="8" name="Заголовок 1">
-            <a:extLst>
-              <a:ext uri="{FF2B5EF4-FFF2-40B4-BE49-F238E27FC236}">
-                <a16:creationId xmlns:a16="http://schemas.microsoft.com/office/drawing/2014/main" id="{9DA95DF0-3837-4EBE-81D4-0F2390EFD3A6}"/>
-              </a:ext>
-            </a:extLst>
-          </p:cNvPr>
-          <p:cNvSpPr>
-            <a:spLocks noGrp="1"/>
-          </p:cNvSpPr>
-          <p:nvPr>
-            <p:ph type="title"/>
-          </p:nvPr>
-        </p:nvSpPr>
-        <p:spPr>
-          <a:xfrm>
-            <a:off x="619759" y="388612"/>
-            <a:ext cx="6771641" cy="1211588"/>
-          </a:xfrm>
-        </p:spPr>
-        <p:txBody>
-          <a:bodyPr/>
-          <a:lstStyle/>
-          <a:p>
-            <a:r>
-              <a:rPr lang="ru-RU" sz="3600" b="1" dirty="0">
-                <a:solidFill>
-                  <a:schemeClr val="tx1"/>
-                </a:solidFill>
-                <a:latin typeface="Arial Black" panose="020B0A04020102020204" pitchFamily="34" charset="0"/>
-              </a:rPr>
-              <a:t>Параметры выстовочного стенда </a:t>
-            </a:r>
-            <a:endParaRPr lang="ru-RU" sz="3600" b="1" dirty="0">
-              <a:solidFill>
-                <a:schemeClr val="tx1"/>
-              </a:solidFill>
-            </a:endParaRPr>
-          </a:p>
-        </p:txBody>
-      </p:sp>
-      <p:sp>
-        <p:nvSpPr>
-          <p:cNvPr id="9" name="TextBox 8">
-            <a:extLst>
-              <a:ext uri="{FF2B5EF4-FFF2-40B4-BE49-F238E27FC236}">
-                <a16:creationId xmlns:a16="http://schemas.microsoft.com/office/drawing/2014/main" id="{9F36DE6D-752A-4084-81B7-8B4E0A137B21}"/>
-              </a:ext>
-            </a:extLst>
-          </p:cNvPr>
-          <p:cNvSpPr txBox="1"/>
-          <p:nvPr/>
-        </p:nvSpPr>
-        <p:spPr>
-          <a:xfrm>
-            <a:off x="619759" y="1972716"/>
-            <a:ext cx="5476241" cy="2462213"/>
-          </a:xfrm>
-          <a:prstGeom prst="rect">
-            <a:avLst/>
-          </a:prstGeom>
-          <a:noFill/>
-        </p:spPr>
-        <p:txBody>
-          <a:bodyPr wrap="square">
-            <a:spAutoFit/>
-          </a:bodyPr>
-          <a:lstStyle/>
-          <a:p>
-            <a:r>
-              <a:rPr lang="ru-RU" sz="2200" dirty="0"/>
-              <a:t>Классический выставочный стенд представляет из себя конуструкция из нескольких стенок, на который изображены визуалы компании.</a:t>
-            </a:r>
-          </a:p>
-          <a:p>
-            <a:endParaRPr lang="ru-RU" sz="2200" dirty="0"/>
-          </a:p>
-          <a:p>
-            <a:r>
-              <a:rPr lang="ru-RU" sz="2200" dirty="0"/>
-              <a:t>Площадь – 20 м.кв.</a:t>
-            </a:r>
-          </a:p>
-          <a:p>
-            <a:r>
-              <a:rPr lang="ru-RU" sz="2200" dirty="0"/>
-              <a:t>Материал</a:t>
-            </a:r>
-            <a:r>
-              <a:rPr lang="en-US" sz="2200" dirty="0"/>
-              <a:t> – </a:t>
-            </a:r>
-            <a:r>
-              <a:rPr lang="ru-RU" sz="2200" dirty="0"/>
-              <a:t>металл, пластик, стекло</a:t>
-            </a:r>
-          </a:p>
-        </p:txBody>
-      </p:sp>
-      <p:pic>
-        <p:nvPicPr>
-          <p:cNvPr id="7" name="Graphic 6">
-            <a:extLst>
-              <a:ext uri="{FF2B5EF4-FFF2-40B4-BE49-F238E27FC236}">
-                <a16:creationId xmlns:a16="http://schemas.microsoft.com/office/drawing/2014/main" id="{784208A4-9F0F-448D-BEE8-73DE3D0E9C03}"/>
-              </a:ext>
-            </a:extLst>
-          </p:cNvPr>
-          <p:cNvPicPr>
-            <a:picLocks noChangeAspect="1"/>
-          </p:cNvPicPr>
-          <p:nvPr/>
-        </p:nvPicPr>
-        <p:blipFill>
-          <a:blip r:embed="rId2" cstate="print">
-            <a:extLst>
-              <a:ext uri="{28A0092B-C50C-407E-A947-70E740481C1C}">
-                <a14:useLocalDpi xmlns:a14="http://schemas.microsoft.com/office/drawing/2010/main" val="0"/>
-              </a:ext>
-              <a:ext uri="{96DAC541-7B7A-43D3-8B79-37D633B846F1}">
-                <asvg:svgBlip xmlns:asvg="http://schemas.microsoft.com/office/drawing/2016/SVG/main" r:embed="rId3"/>
-              </a:ext>
-            </a:extLst>
-          </a:blip>
-          <a:stretch>
-            <a:fillRect/>
-          </a:stretch>
-        </p:blipFill>
-        <p:spPr>
-          <a:xfrm>
-            <a:off x="6426202" y="2209800"/>
-            <a:ext cx="5022823" cy="3927656"/>
-          </a:xfrm>
-          <a:prstGeom prst="rect">
-            <a:avLst/>
-          </a:prstGeom>
-        </p:spPr>
-      </p:pic>
-    </p:spTree>
-    <p:extLst>
-      <p:ext uri="{BB962C8B-B14F-4D97-AF65-F5344CB8AC3E}">
-        <p14:creationId xmlns:p14="http://schemas.microsoft.com/office/powerpoint/2010/main" val="1089322101"/>
-      </p:ext>
-    </p:extLst>
-  </p:cSld>
-  <p:clrMapOvr>
-    <a:masterClrMapping/>
-  </p:clrMapOvr>
-</p:sld>
-</file>
-
-<file path=ppt/slides/slide5.xml><?xml version="1.0" encoding="utf-8"?>
+<file path=ppt/slides/slide10.xml><?xml version="1.0" encoding="utf-8"?>
 <p:sld xmlns:a="http://schemas.openxmlformats.org/drawingml/2006/main" xmlns:r="http://schemas.openxmlformats.org/officeDocument/2006/relationships" xmlns:p="http://schemas.openxmlformats.org/presentationml/2006/main">
   <p:cSld>
     <p:spTree>
@@ -7388,149 +6343,12 @@
           <a:chExt cx="0" cy="0"/>
         </a:xfrm>
       </p:grpSpPr>
-      <p:sp>
-        <p:nvSpPr>
-          <p:cNvPr id="8" name="Заголовок 1">
+      <p:pic>
+        <p:nvPicPr>
+          <p:cNvPr id="1034" name="Picture 10" descr="Знак вопроса рисунок - 73 фото">
             <a:extLst>
               <a:ext uri="{FF2B5EF4-FFF2-40B4-BE49-F238E27FC236}">
-                <a16:creationId xmlns:a16="http://schemas.microsoft.com/office/drawing/2014/main" id="{9DA95DF0-3837-4EBE-81D4-0F2390EFD3A6}"/>
-              </a:ext>
-            </a:extLst>
-          </p:cNvPr>
-          <p:cNvSpPr>
-            <a:spLocks noGrp="1"/>
-          </p:cNvSpPr>
-          <p:nvPr>
-            <p:ph type="title"/>
-          </p:nvPr>
-        </p:nvSpPr>
-        <p:spPr>
-          <a:xfrm>
-            <a:off x="5579108" y="274312"/>
-            <a:ext cx="6771641" cy="1211588"/>
-          </a:xfrm>
-        </p:spPr>
-        <p:txBody>
-          <a:bodyPr/>
-          <a:lstStyle/>
-          <a:p>
-            <a:r>
-              <a:rPr lang="ru-RU" sz="3600" b="1" dirty="0">
-                <a:solidFill>
-                  <a:schemeClr val="tx1"/>
-                </a:solidFill>
-                <a:latin typeface="Arial Black" panose="020B0A04020102020204" pitchFamily="34" charset="0"/>
-              </a:rPr>
-              <a:t>Оформление стенда</a:t>
-            </a:r>
-            <a:endParaRPr lang="ru-RU" sz="3600" b="1" dirty="0">
-              <a:solidFill>
-                <a:schemeClr val="tx1"/>
-              </a:solidFill>
-            </a:endParaRPr>
-          </a:p>
-        </p:txBody>
-      </p:sp>
-      <p:sp>
-        <p:nvSpPr>
-          <p:cNvPr id="9" name="TextBox 8">
-            <a:extLst>
-              <a:ext uri="{FF2B5EF4-FFF2-40B4-BE49-F238E27FC236}">
-                <a16:creationId xmlns:a16="http://schemas.microsoft.com/office/drawing/2014/main" id="{9F36DE6D-752A-4084-81B7-8B4E0A137B21}"/>
-              </a:ext>
-            </a:extLst>
-          </p:cNvPr>
-          <p:cNvSpPr txBox="1"/>
-          <p:nvPr/>
-        </p:nvSpPr>
-        <p:spPr>
-          <a:xfrm>
-            <a:off x="5579109" y="1663700"/>
-            <a:ext cx="6320792" cy="4493538"/>
-          </a:xfrm>
-          <a:prstGeom prst="rect">
-            <a:avLst/>
-          </a:prstGeom>
-          <a:noFill/>
-        </p:spPr>
-        <p:txBody>
-          <a:bodyPr wrap="square">
-            <a:spAutoFit/>
-          </a:bodyPr>
-          <a:lstStyle/>
-          <a:p>
-            <a:r>
-              <a:rPr lang="ru-RU" sz="2200" dirty="0"/>
-              <a:t>Стенд должен соответствовать цветовому оформлению сайта и логотипа компании. Должен быть заметным, но не броским.</a:t>
-            </a:r>
-          </a:p>
-          <a:p>
-            <a:r>
-              <a:rPr lang="ru-RU" sz="2200" dirty="0"/>
-              <a:t>Мы выбрали </a:t>
-            </a:r>
-            <a:r>
-              <a:rPr lang="ru-RU" sz="2200" b="1" dirty="0"/>
-              <a:t>зелено-черную палитру </a:t>
-            </a:r>
-            <a:r>
-              <a:rPr lang="ru-RU" sz="2200" dirty="0"/>
-              <a:t>для оформления.  Вдоль стенок будут располагаться </a:t>
-            </a:r>
-            <a:r>
-              <a:rPr lang="ru-RU" sz="2200" b="1" dirty="0"/>
-              <a:t>стелажи с растениями</a:t>
-            </a:r>
-            <a:r>
-              <a:rPr lang="ru-RU" sz="2200" dirty="0"/>
-              <a:t> и белой подсветкой сверху.</a:t>
-            </a:r>
-          </a:p>
-          <a:p>
-            <a:endParaRPr lang="ru-RU" sz="2200" dirty="0"/>
-          </a:p>
-          <a:p>
-            <a:endParaRPr lang="ru-RU" sz="2200" dirty="0"/>
-          </a:p>
-          <a:p>
-            <a:r>
-              <a:rPr lang="ru-RU" sz="2200" b="1" dirty="0"/>
-              <a:t>Материал стенда</a:t>
-            </a:r>
-            <a:r>
-              <a:rPr lang="en-US" sz="2200" dirty="0"/>
-              <a:t>: </a:t>
-            </a:r>
-            <a:r>
-              <a:rPr lang="ru-RU" sz="2200" i="1" dirty="0"/>
-              <a:t>металл-пластик</a:t>
-            </a:r>
-          </a:p>
-          <a:p>
-            <a:r>
-              <a:rPr lang="ru-RU" sz="2200" b="1" dirty="0"/>
-              <a:t>Одежда сотрудников</a:t>
-            </a:r>
-            <a:r>
-              <a:rPr lang="en-US" sz="2200" b="1" dirty="0"/>
-              <a:t>: </a:t>
-            </a:r>
-            <a:r>
-              <a:rPr lang="ru-RU" sz="2200" i="1" dirty="0"/>
-              <a:t>классические костюмы</a:t>
-            </a:r>
-          </a:p>
-          <a:p>
-            <a:endParaRPr lang="ru-RU" sz="2200" i="1" dirty="0"/>
-          </a:p>
-        </p:txBody>
-      </p:sp>
-      <p:pic>
-        <p:nvPicPr>
-          <p:cNvPr id="4098" name="Picture 2" descr="черный цвет | IN COLOR BALANCE">
-            <a:extLst>
-              <a:ext uri="{FF2B5EF4-FFF2-40B4-BE49-F238E27FC236}">
-                <a16:creationId xmlns:a16="http://schemas.microsoft.com/office/drawing/2014/main" id="{70E24C5C-0630-4C5D-A153-BBB10B017F9D}"/>
+                <a16:creationId xmlns:a16="http://schemas.microsoft.com/office/drawing/2014/main" id="{467A2CCF-3061-4FE5-BF46-29A599596522}"/>
               </a:ext>
             </a:extLst>
           </p:cNvPr>
@@ -7539,23 +6357,21 @@
           </p:cNvPicPr>
           <p:nvPr/>
         </p:nvPicPr>
-        <p:blipFill>
-          <a:blip r:embed="rId2">
+        <p:blipFill rotWithShape="1">
+          <a:blip r:embed="rId2" cstate="print">
             <a:extLst>
               <a:ext uri="{28A0092B-C50C-407E-A947-70E740481C1C}">
                 <a14:useLocalDpi xmlns:a14="http://schemas.microsoft.com/office/drawing/2010/main" val="0"/>
               </a:ext>
             </a:extLst>
           </a:blip>
-          <a:srcRect/>
-          <a:stretch>
-            <a:fillRect/>
-          </a:stretch>
+          <a:srcRect l="19470" r="20383"/>
+          <a:stretch/>
         </p:blipFill>
         <p:spPr bwMode="auto">
           <a:xfrm>
-            <a:off x="571500" y="880106"/>
-            <a:ext cx="4533900" cy="5172706"/>
+            <a:off x="7973435" y="1269698"/>
+            <a:ext cx="3863432" cy="4493538"/>
           </a:xfrm>
           <a:prstGeom prst="rect">
             <a:avLst/>
@@ -7572,10 +6388,194 @@
           </a:extLst>
         </p:spPr>
       </p:pic>
+      <p:sp>
+        <p:nvSpPr>
+          <p:cNvPr id="8" name="Заголовок 1">
+            <a:extLst>
+              <a:ext uri="{FF2B5EF4-FFF2-40B4-BE49-F238E27FC236}">
+                <a16:creationId xmlns:a16="http://schemas.microsoft.com/office/drawing/2014/main" id="{9DA95DF0-3837-4EBE-81D4-0F2390EFD3A6}"/>
+              </a:ext>
+            </a:extLst>
+          </p:cNvPr>
+          <p:cNvSpPr>
+            <a:spLocks noGrp="1"/>
+          </p:cNvSpPr>
+          <p:nvPr>
+            <p:ph type="title"/>
+          </p:nvPr>
+        </p:nvSpPr>
+        <p:spPr>
+          <a:xfrm>
+            <a:off x="427840" y="274312"/>
+            <a:ext cx="2894200" cy="698811"/>
+          </a:xfrm>
+        </p:spPr>
+        <p:txBody>
+          <a:bodyPr/>
+          <a:lstStyle/>
+          <a:p>
+            <a:r>
+              <a:rPr lang="ru-RU" sz="3600" b="1" dirty="0">
+                <a:solidFill>
+                  <a:schemeClr val="tx1"/>
+                </a:solidFill>
+                <a:latin typeface="Arial Black" panose="020B0A04020102020204" pitchFamily="34" charset="0"/>
+              </a:rPr>
+              <a:t>Опросник</a:t>
+            </a:r>
+            <a:endParaRPr lang="ru-RU" sz="3600" b="1" dirty="0">
+              <a:solidFill>
+                <a:schemeClr val="tx1"/>
+              </a:solidFill>
+            </a:endParaRPr>
+          </a:p>
+        </p:txBody>
+      </p:sp>
+      <p:sp>
+        <p:nvSpPr>
+          <p:cNvPr id="9" name="TextBox 8">
+            <a:extLst>
+              <a:ext uri="{FF2B5EF4-FFF2-40B4-BE49-F238E27FC236}">
+                <a16:creationId xmlns:a16="http://schemas.microsoft.com/office/drawing/2014/main" id="{9F36DE6D-752A-4084-81B7-8B4E0A137B21}"/>
+              </a:ext>
+            </a:extLst>
+          </p:cNvPr>
+          <p:cNvSpPr txBox="1"/>
+          <p:nvPr/>
+        </p:nvSpPr>
+        <p:spPr>
+          <a:xfrm>
+            <a:off x="427839" y="1521087"/>
+            <a:ext cx="7323589" cy="4493538"/>
+          </a:xfrm>
+          <a:prstGeom prst="rect">
+            <a:avLst/>
+          </a:prstGeom>
+          <a:noFill/>
+        </p:spPr>
+        <p:txBody>
+          <a:bodyPr wrap="square">
+            <a:spAutoFit/>
+          </a:bodyPr>
+          <a:lstStyle/>
+          <a:p>
+            <a:pPr marL="457200" indent="-457200">
+              <a:buAutoNum type="arabicParenR"/>
+            </a:pPr>
+            <a:r>
+              <a:rPr lang="ru-RU" sz="2200" dirty="0"/>
+              <a:t>Вы </a:t>
+            </a:r>
+            <a:r>
+              <a:rPr lang="ru-RU" sz="2200" b="1" dirty="0"/>
+              <a:t>доверяете</a:t>
+            </a:r>
+            <a:r>
+              <a:rPr lang="ru-RU" sz="2200" dirty="0"/>
+              <a:t> цифровым банкам?</a:t>
+            </a:r>
+          </a:p>
+          <a:p>
+            <a:pPr marL="457200" indent="-457200">
+              <a:buAutoNum type="arabicParenR"/>
+            </a:pPr>
+            <a:endParaRPr lang="ru-RU" sz="2200" dirty="0"/>
+          </a:p>
+          <a:p>
+            <a:pPr marL="457200" indent="-457200">
+              <a:buAutoNum type="arabicParenR"/>
+            </a:pPr>
+            <a:r>
+              <a:rPr lang="ru-RU" sz="2200" dirty="0"/>
+              <a:t>Считаете ли вы, что криптовалюты могу стать </a:t>
+            </a:r>
+            <a:r>
+              <a:rPr lang="ru-RU" sz="2200" b="1" dirty="0"/>
+              <a:t>доминирующей валютой</a:t>
+            </a:r>
+            <a:r>
+              <a:rPr lang="ru-RU" sz="2200" dirty="0"/>
+              <a:t> в мире?</a:t>
+            </a:r>
+          </a:p>
+          <a:p>
+            <a:pPr marL="457200" indent="-457200">
+              <a:buAutoNum type="arabicParenR"/>
+            </a:pPr>
+            <a:endParaRPr lang="ru-RU" sz="2200" dirty="0"/>
+          </a:p>
+          <a:p>
+            <a:pPr marL="457200" indent="-457200">
+              <a:buAutoNum type="arabicParenR"/>
+            </a:pPr>
+            <a:r>
+              <a:rPr lang="ru-RU" sz="2200" dirty="0"/>
+              <a:t>Вы бы хотели избавиться он </a:t>
+            </a:r>
+            <a:r>
+              <a:rPr lang="ru-RU" sz="2200" b="1" dirty="0"/>
+              <a:t>наличных денег</a:t>
+            </a:r>
+            <a:r>
+              <a:rPr lang="ru-RU" sz="2200" dirty="0"/>
+              <a:t>?</a:t>
+            </a:r>
+          </a:p>
+          <a:p>
+            <a:pPr marL="457200" indent="-457200">
+              <a:buAutoNum type="arabicParenR"/>
+            </a:pPr>
+            <a:endParaRPr lang="ru-RU" sz="2200" dirty="0"/>
+          </a:p>
+          <a:p>
+            <a:pPr marL="457200" indent="-457200">
+              <a:buAutoNum type="arabicParenR"/>
+            </a:pPr>
+            <a:r>
+              <a:rPr lang="ru-RU" sz="2200" dirty="0"/>
+              <a:t>Как по вашему мнению </a:t>
+            </a:r>
+            <a:r>
+              <a:rPr lang="ru-RU" sz="2200" b="1" dirty="0"/>
+              <a:t>цифровизация мира</a:t>
+            </a:r>
+            <a:r>
+              <a:rPr lang="ru-RU" sz="2200" dirty="0"/>
+              <a:t> влияет на здоровье людей?</a:t>
+            </a:r>
+          </a:p>
+          <a:p>
+            <a:pPr marL="457200" indent="-457200">
+              <a:buAutoNum type="arabicParenR"/>
+            </a:pPr>
+            <a:endParaRPr lang="ru-RU" sz="2200" dirty="0"/>
+          </a:p>
+          <a:p>
+            <a:pPr marL="457200" indent="-457200">
+              <a:buAutoNum type="arabicParenR"/>
+            </a:pPr>
+            <a:r>
+              <a:rPr lang="ru-RU" sz="2200" dirty="0"/>
+              <a:t>Смогли бы вы </a:t>
+            </a:r>
+            <a:r>
+              <a:rPr lang="ru-RU" sz="2200" b="1" dirty="0"/>
+              <a:t>не пользоваться интернетом</a:t>
+            </a:r>
+            <a:r>
+              <a:rPr lang="ru-RU" sz="2200" dirty="0"/>
+              <a:t> в течении недели? </a:t>
+            </a:r>
+          </a:p>
+          <a:p>
+            <a:endParaRPr lang="ru-RU" sz="2200" i="1" dirty="0"/>
+          </a:p>
+        </p:txBody>
+      </p:sp>
     </p:spTree>
     <p:extLst>
       <p:ext uri="{BB962C8B-B14F-4D97-AF65-F5344CB8AC3E}">
-        <p14:creationId xmlns:p14="http://schemas.microsoft.com/office/powerpoint/2010/main" val="2368728979"/>
+        <p14:creationId xmlns:p14="http://schemas.microsoft.com/office/powerpoint/2010/main" val="401666113"/>
       </p:ext>
     </p:extLst>
   </p:cSld>
@@ -7585,7 +6585,7 @@
 </p:sld>
 </file>
 
-<file path=ppt/slides/slide6.xml><?xml version="1.0" encoding="utf-8"?>
+<file path=ppt/slides/slide11.xml><?xml version="1.0" encoding="utf-8"?>
 <p:sld xmlns:a="http://schemas.openxmlformats.org/drawingml/2006/main" xmlns:r="http://schemas.openxmlformats.org/officeDocument/2006/relationships" xmlns:p="http://schemas.openxmlformats.org/presentationml/2006/main">
   <p:cSld>
     <p:spTree>
@@ -7620,8 +6620,8 @@
         </p:nvSpPr>
         <p:spPr>
           <a:xfrm>
-            <a:off x="619759" y="388612"/>
-            <a:ext cx="6771641" cy="627388"/>
+            <a:off x="363174" y="6015309"/>
+            <a:ext cx="6255740" cy="698811"/>
           </a:xfrm>
         </p:spPr>
         <p:txBody>
@@ -7629,17 +6629,92 @@
           <a:lstStyle/>
           <a:p>
             <a:r>
-              <a:rPr lang="ru-RU" sz="3600" b="1" dirty="0">
+              <a:rPr lang="ru-RU" sz="2400" b="1" dirty="0">
                 <a:solidFill>
                   <a:schemeClr val="tx1"/>
                 </a:solidFill>
                 <a:latin typeface="Arial Black" panose="020B0A04020102020204" pitchFamily="34" charset="0"/>
               </a:rPr>
-              <a:t>Фишки</a:t>
-            </a:r>
-            <a:endParaRPr lang="ru-RU" sz="3600" b="1" dirty="0">
+              <a:t>Итого</a:t>
+            </a:r>
+            <a:r>
+              <a:rPr lang="en-US" sz="2400" b="1" dirty="0">
+                <a:solidFill>
+                  <a:schemeClr val="tx1"/>
+                </a:solidFill>
+                <a:latin typeface="Arial Black" panose="020B0A04020102020204" pitchFamily="34" charset="0"/>
+              </a:rPr>
+              <a:t>: </a:t>
+            </a:r>
+            <a:r>
+              <a:rPr lang="ru-RU" sz="2400" b="1" dirty="0">
+                <a:solidFill>
+                  <a:schemeClr val="accent4">
+                    <a:lumMod val="75000"/>
+                  </a:schemeClr>
+                </a:solidFill>
+                <a:latin typeface="Arial Black" panose="020B0A04020102020204" pitchFamily="34" charset="0"/>
+              </a:rPr>
+              <a:t>33 000р </a:t>
+            </a:r>
+            <a:r>
+              <a:rPr lang="ru-RU" sz="2400" b="1" dirty="0">
+                <a:solidFill>
+                  <a:schemeClr val="tx1"/>
+                </a:solidFill>
+                <a:latin typeface="Arial Black" panose="020B0A04020102020204" pitchFamily="34" charset="0"/>
+              </a:rPr>
+              <a:t>или </a:t>
+            </a:r>
+            <a:r>
+              <a:rPr lang="ru-RU" sz="2400" b="1" dirty="0">
+                <a:solidFill>
+                  <a:schemeClr val="accent4">
+                    <a:lumMod val="75000"/>
+                  </a:schemeClr>
+                </a:solidFill>
+                <a:latin typeface="Arial Black" panose="020B0A04020102020204" pitchFamily="34" charset="0"/>
+              </a:rPr>
+              <a:t>10</a:t>
+            </a:r>
+            <a:r>
+              <a:rPr lang="en-US" sz="2400" b="1" dirty="0">
+                <a:solidFill>
+                  <a:schemeClr val="accent4">
+                    <a:lumMod val="75000"/>
+                  </a:schemeClr>
+                </a:solidFill>
+                <a:latin typeface="Arial Black" panose="020B0A04020102020204" pitchFamily="34" charset="0"/>
+              </a:rPr>
+              <a:t> </a:t>
+            </a:r>
+            <a:r>
+              <a:rPr lang="ru-RU" sz="2400" b="1" dirty="0">
+                <a:solidFill>
+                  <a:schemeClr val="accent4">
+                    <a:lumMod val="75000"/>
+                  </a:schemeClr>
+                </a:solidFill>
+                <a:latin typeface="Arial Black" panose="020B0A04020102020204" pitchFamily="34" charset="0"/>
+              </a:rPr>
+              <a:t>000</a:t>
+            </a:r>
+            <a:r>
+              <a:rPr lang="en-US" sz="2400" b="1" dirty="0">
+                <a:solidFill>
+                  <a:schemeClr val="accent4">
+                    <a:lumMod val="75000"/>
+                  </a:schemeClr>
+                </a:solidFill>
+                <a:latin typeface="Arial Black" panose="020B0A04020102020204" pitchFamily="34" charset="0"/>
+              </a:rPr>
+              <a:t>$</a:t>
+            </a:r>
+            <a:endParaRPr lang="ru-RU" sz="2400" b="1" dirty="0">
               <a:solidFill>
-                <a:schemeClr val="tx1"/>
+                <a:schemeClr val="accent4">
+                  <a:lumMod val="75000"/>
+                </a:schemeClr>
               </a:solidFill>
             </a:endParaRPr>
           </a:p>
@@ -7659,8 +6734,8 @@
         </p:nvSpPr>
         <p:spPr>
           <a:xfrm>
-            <a:off x="619759" y="1430805"/>
-            <a:ext cx="7736842" cy="3816429"/>
+            <a:off x="363174" y="1781041"/>
+            <a:ext cx="6708745" cy="2800767"/>
           </a:xfrm>
           <a:prstGeom prst="rect">
             <a:avLst/>
@@ -7673,89 +6748,246 @@
           </a:bodyPr>
           <a:lstStyle/>
           <a:p>
-            <a:pPr marL="457200" indent="-457200">
-              <a:buAutoNum type="arabicParenR"/>
-            </a:pPr>
+            <a:r>
+              <a:rPr lang="ru-RU" sz="2200" b="1" dirty="0"/>
+              <a:t>Самолет</a:t>
+            </a:r>
             <a:r>
               <a:rPr lang="ru-RU" sz="2200" dirty="0"/>
-              <a:t>На одном из стендов будет располагаться </a:t>
-            </a:r>
+              <a:t> Минск-Лондон</a:t>
+            </a:r>
+            <a:r>
+              <a:rPr lang="en-US" sz="2200" dirty="0"/>
+              <a:t> </a:t>
+            </a:r>
+            <a:r>
+              <a:rPr lang="en-US" sz="2200" u="sng" dirty="0" err="1"/>
+              <a:t>FlyDubai</a:t>
+            </a:r>
+            <a:r>
+              <a:rPr lang="en-US" sz="2200" b="1" dirty="0"/>
+              <a:t> </a:t>
+            </a:r>
+            <a:r>
+              <a:rPr lang="ru-RU" sz="2200" dirty="0"/>
+              <a:t>– 10 000р </a:t>
+            </a:r>
+          </a:p>
+          <a:p>
+            <a:r>
+              <a:rPr lang="ru-RU" sz="2200" dirty="0"/>
+              <a:t>(в одну сторону)</a:t>
+            </a:r>
+          </a:p>
+          <a:p>
+            <a:endParaRPr lang="ru-RU" sz="2200" dirty="0"/>
+          </a:p>
+          <a:p>
             <a:r>
               <a:rPr lang="ru-RU" sz="2200" b="1" dirty="0"/>
-              <a:t>большой встроенный дисплей </a:t>
+              <a:t>Отель</a:t>
             </a:r>
             <a:r>
               <a:rPr lang="ru-RU" sz="2200" dirty="0"/>
-              <a:t>для отображения видео-презентации компании. </a:t>
-            </a:r>
-          </a:p>
-          <a:p>
-            <a:pPr marL="457200" indent="-457200">
-              <a:buAutoNum type="arabicParenR"/>
-            </a:pPr>
+              <a:t> </a:t>
+            </a:r>
+            <a:r>
+              <a:rPr lang="en-US" sz="2200" dirty="0">
+                <a:hlinkClick r:id="rId2">
+                  <a:extLst>
+                    <a:ext uri="{A12FA001-AC4F-418D-AE19-62706E023703}">
+                      <ahyp:hlinkClr xmlns:ahyp="http://schemas.microsoft.com/office/drawing/2018/hyperlinkcolor" val="tx"/>
+                    </a:ext>
+                  </a:extLst>
+                </a:hlinkClick>
+              </a:rPr>
+              <a:t>Rochester Hotel by Blue Orchid</a:t>
+            </a:r>
+            <a:r>
+              <a:rPr lang="ru-RU" sz="2200" dirty="0"/>
+              <a:t> </a:t>
+            </a:r>
+            <a:r>
+              <a:rPr lang="en-US" sz="2200" b="1" dirty="0"/>
+              <a:t>– </a:t>
+            </a:r>
+            <a:r>
+              <a:rPr lang="ru-RU" sz="2200" dirty="0"/>
+              <a:t>7300р</a:t>
+            </a:r>
+          </a:p>
+          <a:p>
+            <a:endParaRPr lang="en-US" sz="2200" dirty="0"/>
+          </a:p>
+          <a:p>
+            <a:r>
+              <a:rPr lang="ru-RU" sz="2200" b="1" dirty="0"/>
+              <a:t>Стенд</a:t>
+            </a:r>
+            <a:r>
+              <a:rPr lang="ru-RU" sz="2200" dirty="0"/>
+              <a:t> </a:t>
+            </a:r>
+            <a:r>
+              <a:rPr lang="en-US" sz="2200" dirty="0"/>
+              <a:t>~ 5000$</a:t>
+            </a:r>
+            <a:r>
+              <a:rPr lang="ru-RU" sz="2200" dirty="0"/>
+              <a:t> </a:t>
+            </a:r>
+            <a:r>
+              <a:rPr lang="en-US" sz="2200" dirty="0"/>
+              <a:t>(</a:t>
+            </a:r>
+            <a:r>
+              <a:rPr lang="ru-RU" sz="2200" dirty="0"/>
+              <a:t>будет изготовлен в Лондоне</a:t>
+            </a:r>
+            <a:r>
+              <a:rPr lang="en-US" sz="2200" dirty="0"/>
+              <a:t>)</a:t>
+            </a:r>
             <a:endParaRPr lang="ru-RU" sz="2200" dirty="0"/>
           </a:p>
           <a:p>
-            <a:pPr marL="457200" indent="-457200">
-              <a:buAutoNum type="arabicParenR"/>
-            </a:pPr>
+            <a:endParaRPr lang="ru-RU" sz="2200" dirty="0"/>
+          </a:p>
+          <a:p>
+            <a:r>
+              <a:rPr lang="ru-RU" sz="2200" b="1" dirty="0"/>
+              <a:t>Еда и рестораны</a:t>
+            </a:r>
             <a:r>
               <a:rPr lang="ru-RU" sz="2200" dirty="0"/>
-              <a:t>На полу перед стендом будет </a:t>
-            </a:r>
-            <a:r>
-              <a:rPr lang="en-US" sz="2200" b="1" dirty="0"/>
-              <a:t>QR-</a:t>
-            </a:r>
-            <a:r>
-              <a:rPr lang="ru-RU" sz="2200" b="1" dirty="0"/>
-              <a:t>код </a:t>
-            </a:r>
-            <a:r>
-              <a:rPr lang="ru-RU" sz="2200" dirty="0"/>
-              <a:t>ведущий на веб-страницу компании. </a:t>
-            </a:r>
-            <a:r>
-              <a:rPr lang="en-US" sz="2200" dirty="0"/>
-              <a:t>QR</a:t>
-            </a:r>
-            <a:r>
-              <a:rPr lang="ru-RU" sz="2200" dirty="0"/>
-              <a:t>-код будет формироваться прожектором</a:t>
-            </a:r>
-          </a:p>
-          <a:p>
-            <a:pPr marL="457200" indent="-457200">
-              <a:buAutoNum type="arabicParenR"/>
-            </a:pPr>
-            <a:endParaRPr lang="en-US" sz="2200" dirty="0"/>
-          </a:p>
-          <a:p>
-            <a:pPr marL="457200" indent="-457200">
-              <a:buAutoNum type="arabicParenR"/>
-            </a:pPr>
-            <a:r>
-              <a:rPr lang="ru-RU" sz="2200" dirty="0"/>
-              <a:t>В качестве сувенира будет выставлены </a:t>
-            </a:r>
-            <a:r>
-              <a:rPr lang="ru-RU" sz="2200" b="1" dirty="0"/>
-              <a:t>флешки</a:t>
-            </a:r>
-            <a:r>
-              <a:rPr lang="ru-RU" sz="2200" dirty="0"/>
-              <a:t>, на которых уже будет загружена информация о продуктах компании</a:t>
-            </a:r>
-            <a:endParaRPr lang="en-US" sz="2200" dirty="0"/>
+              <a:t> 450-600р в день</a:t>
+            </a:r>
+          </a:p>
+        </p:txBody>
+      </p:sp>
+      <p:sp>
+        <p:nvSpPr>
+          <p:cNvPr id="7" name="Заголовок 1">
+            <a:extLst>
+              <a:ext uri="{FF2B5EF4-FFF2-40B4-BE49-F238E27FC236}">
+                <a16:creationId xmlns:a16="http://schemas.microsoft.com/office/drawing/2014/main" id="{A4E0477D-95C6-477B-85CA-C54D09F5A9C8}"/>
+              </a:ext>
+            </a:extLst>
+          </p:cNvPr>
+          <p:cNvSpPr txBox="1">
+            <a:spLocks/>
+          </p:cNvSpPr>
+          <p:nvPr/>
+        </p:nvSpPr>
+        <p:spPr>
+          <a:xfrm>
+            <a:off x="363174" y="479973"/>
+            <a:ext cx="4050529" cy="698811"/>
+          </a:xfrm>
+          <a:prstGeom prst="rect">
+            <a:avLst/>
+          </a:prstGeom>
+        </p:spPr>
+        <p:txBody>
+          <a:bodyPr vert="horz" lIns="91440" tIns="45720" rIns="91440" bIns="45720" rtlCol="0" anchor="t">
+            <a:noAutofit/>
+          </a:bodyPr>
+          <a:lstStyle>
+            <a:lvl1pPr algn="l" defTabSz="457200" rtl="0" eaLnBrk="1" latinLnBrk="0" hangingPunct="1">
+              <a:spcBef>
+                <a:spcPct val="0"/>
+              </a:spcBef>
+              <a:buNone/>
+              <a:defRPr sz="4200" b="0" i="0" kern="1200">
+                <a:solidFill>
+                  <a:schemeClr val="tx2"/>
+                </a:solidFill>
+                <a:latin typeface="+mj-lt"/>
+                <a:ea typeface="+mj-ea"/>
+                <a:cs typeface="+mj-cs"/>
+              </a:defRPr>
+            </a:lvl1pPr>
+            <a:lvl2pPr eaLnBrk="1" hangingPunct="1">
+              <a:defRPr>
+                <a:solidFill>
+                  <a:schemeClr val="tx2"/>
+                </a:solidFill>
+              </a:defRPr>
+            </a:lvl2pPr>
+            <a:lvl3pPr eaLnBrk="1" hangingPunct="1">
+              <a:defRPr>
+                <a:solidFill>
+                  <a:schemeClr val="tx2"/>
+                </a:solidFill>
+              </a:defRPr>
+            </a:lvl3pPr>
+            <a:lvl4pPr eaLnBrk="1" hangingPunct="1">
+              <a:defRPr>
+                <a:solidFill>
+                  <a:schemeClr val="tx2"/>
+                </a:solidFill>
+              </a:defRPr>
+            </a:lvl4pPr>
+            <a:lvl5pPr eaLnBrk="1" hangingPunct="1">
+              <a:defRPr>
+                <a:solidFill>
+                  <a:schemeClr val="tx2"/>
+                </a:solidFill>
+              </a:defRPr>
+            </a:lvl5pPr>
+            <a:lvl6pPr eaLnBrk="1" hangingPunct="1">
+              <a:defRPr>
+                <a:solidFill>
+                  <a:schemeClr val="tx2"/>
+                </a:solidFill>
+              </a:defRPr>
+            </a:lvl6pPr>
+            <a:lvl7pPr eaLnBrk="1" hangingPunct="1">
+              <a:defRPr>
+                <a:solidFill>
+                  <a:schemeClr val="tx2"/>
+                </a:solidFill>
+              </a:defRPr>
+            </a:lvl7pPr>
+            <a:lvl8pPr eaLnBrk="1" hangingPunct="1">
+              <a:defRPr>
+                <a:solidFill>
+                  <a:schemeClr val="tx2"/>
+                </a:solidFill>
+              </a:defRPr>
+            </a:lvl8pPr>
+            <a:lvl9pPr eaLnBrk="1" hangingPunct="1">
+              <a:defRPr>
+                <a:solidFill>
+                  <a:schemeClr val="tx2"/>
+                </a:solidFill>
+              </a:defRPr>
+            </a:lvl9pPr>
+          </a:lstStyle>
+          <a:p>
+            <a:r>
+              <a:rPr lang="ru-RU" sz="3600" b="1" dirty="0">
+                <a:solidFill>
+                  <a:schemeClr val="tx1"/>
+                </a:solidFill>
+                <a:latin typeface="Arial Black" panose="020B0A04020102020204" pitchFamily="34" charset="0"/>
+              </a:rPr>
+              <a:t>Сколько надо?</a:t>
+            </a:r>
+            <a:endParaRPr lang="ru-RU" sz="3600" b="1" dirty="0">
+              <a:solidFill>
+                <a:schemeClr val="tx1"/>
+              </a:solidFill>
+            </a:endParaRPr>
           </a:p>
         </p:txBody>
       </p:sp>
       <p:pic>
         <p:nvPicPr>
-          <p:cNvPr id="5124" name="Picture 4" descr="Сканирование QR-кода с помощью iPhone, iPad или iPod touch - Служба  поддержки Apple (RU)">
+          <p:cNvPr id="2058" name="Picture 10" descr="Россиян научили, что нужно сделать с долларами прямо сейчас - ПРАЙМ,  13.04.2023">
             <a:extLst>
               <a:ext uri="{FF2B5EF4-FFF2-40B4-BE49-F238E27FC236}">
-                <a16:creationId xmlns:a16="http://schemas.microsoft.com/office/drawing/2014/main" id="{BF9BED57-5CB3-4C86-B4B1-42C933894CD4}"/>
+                <a16:creationId xmlns:a16="http://schemas.microsoft.com/office/drawing/2014/main" id="{2781499F-9C56-48FB-9118-1CC64569F4D1}"/>
               </a:ext>
             </a:extLst>
           </p:cNvPr>
@@ -7764,23 +6996,21 @@
           </p:cNvPicPr>
           <p:nvPr/>
         </p:nvPicPr>
-        <p:blipFill>
-          <a:blip r:embed="rId2" cstate="print">
+        <p:blipFill rotWithShape="1">
+          <a:blip r:embed="rId3" cstate="print">
             <a:extLst>
               <a:ext uri="{28A0092B-C50C-407E-A947-70E740481C1C}">
                 <a14:useLocalDpi xmlns:a14="http://schemas.microsoft.com/office/drawing/2010/main" val="0"/>
               </a:ext>
             </a:extLst>
           </a:blip>
-          <a:srcRect/>
-          <a:stretch>
-            <a:fillRect/>
-          </a:stretch>
+          <a:srcRect l="16289" r="7136"/>
+          <a:stretch/>
         </p:blipFill>
         <p:spPr bwMode="auto">
           <a:xfrm>
-            <a:off x="8992948" y="1065719"/>
-            <a:ext cx="2249093" cy="4546600"/>
+            <a:off x="6940492" y="0"/>
+            <a:ext cx="5251508" cy="6858000"/>
           </a:xfrm>
           <a:prstGeom prst="rect">
             <a:avLst/>
@@ -7797,10 +7027,47 @@
           </a:extLst>
         </p:spPr>
       </p:pic>
+      <p:cxnSp>
+        <p:nvCxnSpPr>
+          <p:cNvPr id="3" name="Прямая соединительная линия 2">
+            <a:extLst>
+              <a:ext uri="{FF2B5EF4-FFF2-40B4-BE49-F238E27FC236}">
+                <a16:creationId xmlns:a16="http://schemas.microsoft.com/office/drawing/2014/main" id="{F59B01BA-B83F-4025-B93B-183EE0F99AC6}"/>
+              </a:ext>
+            </a:extLst>
+          </p:cNvPr>
+          <p:cNvCxnSpPr/>
+          <p:nvPr/>
+        </p:nvCxnSpPr>
+        <p:spPr>
+          <a:xfrm>
+            <a:off x="6940492" y="0"/>
+            <a:ext cx="0" cy="6858000"/>
+          </a:xfrm>
+          <a:prstGeom prst="line">
+            <a:avLst/>
+          </a:prstGeom>
+          <a:ln w="28575"/>
+        </p:spPr>
+        <p:style>
+          <a:lnRef idx="1">
+            <a:schemeClr val="dk1"/>
+          </a:lnRef>
+          <a:fillRef idx="0">
+            <a:schemeClr val="dk1"/>
+          </a:fillRef>
+          <a:effectRef idx="0">
+            <a:schemeClr val="dk1"/>
+          </a:effectRef>
+          <a:fontRef idx="minor">
+            <a:schemeClr val="tx1"/>
+          </a:fontRef>
+        </p:style>
+      </p:cxnSp>
     </p:spTree>
     <p:extLst>
       <p:ext uri="{BB962C8B-B14F-4D97-AF65-F5344CB8AC3E}">
-        <p14:creationId xmlns:p14="http://schemas.microsoft.com/office/powerpoint/2010/main" val="2646370701"/>
+        <p14:creationId xmlns:p14="http://schemas.microsoft.com/office/powerpoint/2010/main" val="2392551935"/>
       </p:ext>
     </p:extLst>
   </p:cSld>
@@ -7810,153 +7077,7 @@
 </p:sld>
 </file>
 
-<file path=ppt/slides/slide7.xml><?xml version="1.0" encoding="utf-8"?>
-<p:sld xmlns:a="http://schemas.openxmlformats.org/drawingml/2006/main" xmlns:r="http://schemas.openxmlformats.org/officeDocument/2006/relationships" xmlns:p="http://schemas.openxmlformats.org/presentationml/2006/main">
-  <p:cSld>
-    <p:spTree>
-      <p:nvGrpSpPr>
-        <p:cNvPr id="1" name=""/>
-        <p:cNvGrpSpPr/>
-        <p:nvPr/>
-      </p:nvGrpSpPr>
-      <p:grpSpPr>
-        <a:xfrm>
-          <a:off x="0" y="0"/>
-          <a:ext cx="0" cy="0"/>
-          <a:chOff x="0" y="0"/>
-          <a:chExt cx="0" cy="0"/>
-        </a:xfrm>
-      </p:grpSpPr>
-      <p:sp>
-        <p:nvSpPr>
-          <p:cNvPr id="8" name="Заголовок 1">
-            <a:extLst>
-              <a:ext uri="{FF2B5EF4-FFF2-40B4-BE49-F238E27FC236}">
-                <a16:creationId xmlns:a16="http://schemas.microsoft.com/office/drawing/2014/main" id="{9DA95DF0-3837-4EBE-81D4-0F2390EFD3A6}"/>
-              </a:ext>
-            </a:extLst>
-          </p:cNvPr>
-          <p:cNvSpPr>
-            <a:spLocks noGrp="1"/>
-          </p:cNvSpPr>
-          <p:nvPr>
-            <p:ph type="title"/>
-          </p:nvPr>
-        </p:nvSpPr>
-        <p:spPr>
-          <a:xfrm>
-            <a:off x="5579109" y="274312"/>
-            <a:ext cx="5901692" cy="1211588"/>
-          </a:xfrm>
-        </p:spPr>
-        <p:txBody>
-          <a:bodyPr/>
-          <a:lstStyle/>
-          <a:p>
-            <a:r>
-              <a:rPr lang="ru-RU" sz="3600" b="1" dirty="0">
-                <a:solidFill>
-                  <a:schemeClr val="tx1"/>
-                </a:solidFill>
-                <a:latin typeface="Arial Black" panose="020B0A04020102020204" pitchFamily="34" charset="0"/>
-              </a:rPr>
-              <a:t>Команда компании</a:t>
-            </a:r>
-            <a:endParaRPr lang="ru-RU" sz="3600" b="1" dirty="0">
-              <a:solidFill>
-                <a:schemeClr val="tx1"/>
-              </a:solidFill>
-            </a:endParaRPr>
-          </a:p>
-        </p:txBody>
-      </p:sp>
-    </p:spTree>
-    <p:extLst>
-      <p:ext uri="{BB962C8B-B14F-4D97-AF65-F5344CB8AC3E}">
-        <p14:creationId xmlns:p14="http://schemas.microsoft.com/office/powerpoint/2010/main" val="2629714938"/>
-      </p:ext>
-    </p:extLst>
-  </p:cSld>
-  <p:clrMapOvr>
-    <a:masterClrMapping/>
-  </p:clrMapOvr>
-</p:sld>
-</file>
-
-<file path=ppt/slides/slide8.xml><?xml version="1.0" encoding="utf-8"?>
-<p:sld xmlns:a="http://schemas.openxmlformats.org/drawingml/2006/main" xmlns:r="http://schemas.openxmlformats.org/officeDocument/2006/relationships" xmlns:p="http://schemas.openxmlformats.org/presentationml/2006/main">
-  <p:cSld>
-    <p:spTree>
-      <p:nvGrpSpPr>
-        <p:cNvPr id="1" name=""/>
-        <p:cNvGrpSpPr/>
-        <p:nvPr/>
-      </p:nvGrpSpPr>
-      <p:grpSpPr>
-        <a:xfrm>
-          <a:off x="0" y="0"/>
-          <a:ext cx="0" cy="0"/>
-          <a:chOff x="0" y="0"/>
-          <a:chExt cx="0" cy="0"/>
-        </a:xfrm>
-      </p:grpSpPr>
-      <p:sp>
-        <p:nvSpPr>
-          <p:cNvPr id="8" name="Заголовок 1">
-            <a:extLst>
-              <a:ext uri="{FF2B5EF4-FFF2-40B4-BE49-F238E27FC236}">
-                <a16:creationId xmlns:a16="http://schemas.microsoft.com/office/drawing/2014/main" id="{9DA95DF0-3837-4EBE-81D4-0F2390EFD3A6}"/>
-              </a:ext>
-            </a:extLst>
-          </p:cNvPr>
-          <p:cNvSpPr>
-            <a:spLocks noGrp="1"/>
-          </p:cNvSpPr>
-          <p:nvPr>
-            <p:ph type="title"/>
-          </p:nvPr>
-        </p:nvSpPr>
-        <p:spPr>
-          <a:xfrm>
-            <a:off x="619759" y="388612"/>
-            <a:ext cx="6771641" cy="627388"/>
-          </a:xfrm>
-        </p:spPr>
-        <p:txBody>
-          <a:bodyPr/>
-          <a:lstStyle/>
-          <a:p>
-            <a:r>
-              <a:rPr lang="ru-RU" sz="3600" b="1" dirty="0">
-                <a:solidFill>
-                  <a:schemeClr val="tx1"/>
-                </a:solidFill>
-                <a:latin typeface="Arial Black" panose="020B0A04020102020204" pitchFamily="34" charset="0"/>
-              </a:rPr>
-              <a:t>Превью и сценарий</a:t>
-            </a:r>
-            <a:endParaRPr lang="ru-RU" sz="3600" b="1" dirty="0">
-              <a:solidFill>
-                <a:schemeClr val="tx1"/>
-              </a:solidFill>
-            </a:endParaRPr>
-          </a:p>
-        </p:txBody>
-      </p:sp>
-    </p:spTree>
-    <p:extLst>
-      <p:ext uri="{BB962C8B-B14F-4D97-AF65-F5344CB8AC3E}">
-        <p14:creationId xmlns:p14="http://schemas.microsoft.com/office/powerpoint/2010/main" val="1985902613"/>
-      </p:ext>
-    </p:extLst>
-  </p:cSld>
-  <p:clrMapOvr>
-    <a:masterClrMapping/>
-  </p:clrMapOvr>
-</p:sld>
-</file>
-
-<file path=ppt/slides/slide9.xml><?xml version="1.0" encoding="utf-8"?>
+<file path=ppt/slides/slide12.xml><?xml version="1.0" encoding="utf-8"?>
 <p:sld xmlns:a="http://schemas.openxmlformats.org/drawingml/2006/main" xmlns:r="http://schemas.openxmlformats.org/officeDocument/2006/relationships" xmlns:p="http://schemas.openxmlformats.org/presentationml/2006/main" showMasterSp="0">
   <p:cSld>
     <p:spTree>
@@ -8076,6 +7197,2208 @@
     <p:extLst>
       <p:ext uri="{BB962C8B-B14F-4D97-AF65-F5344CB8AC3E}">
         <p14:creationId xmlns:p14="http://schemas.microsoft.com/office/powerpoint/2010/main" val="3042464483"/>
+      </p:ext>
+    </p:extLst>
+  </p:cSld>
+  <p:clrMapOvr>
+    <a:masterClrMapping/>
+  </p:clrMapOvr>
+</p:sld>
+</file>
+
+<file path=ppt/slides/slide2.xml><?xml version="1.0" encoding="utf-8"?>
+<p:sld xmlns:a="http://schemas.openxmlformats.org/drawingml/2006/main" xmlns:r="http://schemas.openxmlformats.org/officeDocument/2006/relationships" xmlns:p="http://schemas.openxmlformats.org/presentationml/2006/main" showMasterSp="0">
+  <p:cSld>
+    <p:spTree>
+      <p:nvGrpSpPr>
+        <p:cNvPr id="1" name=""/>
+        <p:cNvGrpSpPr/>
+        <p:nvPr/>
+      </p:nvGrpSpPr>
+      <p:grpSpPr>
+        <a:xfrm>
+          <a:off x="0" y="0"/>
+          <a:ext cx="0" cy="0"/>
+          <a:chOff x="0" y="0"/>
+          <a:chExt cx="0" cy="0"/>
+        </a:xfrm>
+      </p:grpSpPr>
+      <p:sp>
+        <p:nvSpPr>
+          <p:cNvPr id="11" name="TextBox 10">
+            <a:extLst>
+              <a:ext uri="{FF2B5EF4-FFF2-40B4-BE49-F238E27FC236}">
+                <a16:creationId xmlns:a16="http://schemas.microsoft.com/office/drawing/2014/main" id="{521CB350-94DF-4B53-BBBD-6BE63D90E837}"/>
+              </a:ext>
+            </a:extLst>
+          </p:cNvPr>
+          <p:cNvSpPr txBox="1"/>
+          <p:nvPr/>
+        </p:nvSpPr>
+        <p:spPr>
+          <a:xfrm>
+            <a:off x="373498" y="307495"/>
+            <a:ext cx="6325771" cy="646331"/>
+          </a:xfrm>
+          <a:prstGeom prst="rect">
+            <a:avLst/>
+          </a:prstGeom>
+          <a:noFill/>
+        </p:spPr>
+        <p:txBody>
+          <a:bodyPr wrap="none" rtlCol="0">
+            <a:spAutoFit/>
+          </a:bodyPr>
+          <a:lstStyle/>
+          <a:p>
+            <a:r>
+              <a:rPr lang="ru-RU" sz="3600" b="1" dirty="0">
+                <a:latin typeface="Arial Black" panose="020B0A04020102020204" pitchFamily="34" charset="0"/>
+              </a:rPr>
+              <a:t>Описание мероприятия</a:t>
+            </a:r>
+            <a:endParaRPr lang="ru-BY" sz="3600" dirty="0">
+              <a:latin typeface="Arial Black" panose="020B0A04020102020204" pitchFamily="34" charset="0"/>
+            </a:endParaRPr>
+          </a:p>
+        </p:txBody>
+      </p:sp>
+      <p:sp>
+        <p:nvSpPr>
+          <p:cNvPr id="14" name="TextBox 13">
+            <a:extLst>
+              <a:ext uri="{FF2B5EF4-FFF2-40B4-BE49-F238E27FC236}">
+                <a16:creationId xmlns:a16="http://schemas.microsoft.com/office/drawing/2014/main" id="{1C0425E0-B082-4F51-BB0A-7C74550FB558}"/>
+              </a:ext>
+            </a:extLst>
+          </p:cNvPr>
+          <p:cNvSpPr txBox="1"/>
+          <p:nvPr/>
+        </p:nvSpPr>
+        <p:spPr>
+          <a:xfrm>
+            <a:off x="373498" y="1779968"/>
+            <a:ext cx="6066178" cy="4124206"/>
+          </a:xfrm>
+          <a:prstGeom prst="rect">
+            <a:avLst/>
+          </a:prstGeom>
+          <a:noFill/>
+        </p:spPr>
+        <p:txBody>
+          <a:bodyPr wrap="square">
+            <a:spAutoFit/>
+          </a:bodyPr>
+          <a:lstStyle/>
+          <a:p>
+            <a:r>
+              <a:rPr lang="en-US" sz="2200" b="1" dirty="0" err="1"/>
+              <a:t>MoneyLIVE</a:t>
+            </a:r>
+            <a:r>
+              <a:rPr lang="en-US" sz="2200" dirty="0"/>
+              <a:t> – </a:t>
+            </a:r>
+            <a:r>
+              <a:rPr lang="ru-RU" sz="2200" dirty="0"/>
+              <a:t>саммит, на котором прогнозируется будущее разработок в банковской отрасли, сфере платежей и цифровых банках. </a:t>
+            </a:r>
+            <a:r>
+              <a:rPr lang="ru-RU" sz="2200" b="1" dirty="0"/>
+              <a:t>MoneyLIVE</a:t>
+            </a:r>
+            <a:r>
+              <a:rPr lang="ru-RU" sz="2200" dirty="0"/>
+              <a:t> Asia разработан банками для банков.</a:t>
+            </a:r>
+          </a:p>
+          <a:p>
+            <a:endParaRPr lang="ru-RU" sz="2200" dirty="0"/>
+          </a:p>
+          <a:p>
+            <a:endParaRPr lang="ru-RU" sz="2200" dirty="0"/>
+          </a:p>
+          <a:p>
+            <a:endParaRPr lang="ru-RU" sz="2200" dirty="0"/>
+          </a:p>
+          <a:p>
+            <a:endParaRPr lang="ru-RU" sz="2200" dirty="0"/>
+          </a:p>
+          <a:p>
+            <a:endParaRPr lang="ru-RU" sz="2200" dirty="0"/>
+          </a:p>
+          <a:p>
+            <a:r>
+              <a:rPr lang="ru-RU" sz="2200" b="1" dirty="0"/>
+              <a:t>Место проведения</a:t>
+            </a:r>
+            <a:r>
+              <a:rPr lang="en-US" sz="2200" b="1" dirty="0"/>
+              <a:t>:</a:t>
+            </a:r>
+            <a:r>
+              <a:rPr lang="en-US" sz="2200" dirty="0"/>
+              <a:t> </a:t>
+            </a:r>
+            <a:r>
+              <a:rPr lang="en-US" sz="2000" i="1" dirty="0"/>
+              <a:t>QEII Centre, London</a:t>
+            </a:r>
+          </a:p>
+          <a:p>
+            <a:r>
+              <a:rPr lang="ru-RU" sz="2000" b="1" dirty="0"/>
+              <a:t>Дата саммита</a:t>
+            </a:r>
+            <a:r>
+              <a:rPr lang="en-US" sz="2000" b="1" dirty="0"/>
+              <a:t>: </a:t>
+            </a:r>
+            <a:r>
+              <a:rPr lang="en-US" sz="2000" i="1" dirty="0"/>
+              <a:t>6-7 </a:t>
+            </a:r>
+            <a:r>
+              <a:rPr lang="ru-RU" sz="2000" i="1" dirty="0"/>
+              <a:t>марта 2024</a:t>
+            </a:r>
+            <a:endParaRPr lang="en-US" sz="2000" dirty="0"/>
+          </a:p>
+        </p:txBody>
+      </p:sp>
+      <p:pic>
+        <p:nvPicPr>
+          <p:cNvPr id="2058" name="Picture 10" descr="MoneyLIVE Summit - QEII Centre">
+            <a:extLst>
+              <a:ext uri="{FF2B5EF4-FFF2-40B4-BE49-F238E27FC236}">
+                <a16:creationId xmlns:a16="http://schemas.microsoft.com/office/drawing/2014/main" id="{1CAFEE88-52D0-4807-8706-07C3C8C60FF7}"/>
+              </a:ext>
+            </a:extLst>
+          </p:cNvPr>
+          <p:cNvPicPr>
+            <a:picLocks noChangeAspect="1" noChangeArrowheads="1"/>
+          </p:cNvPicPr>
+          <p:nvPr/>
+        </p:nvPicPr>
+        <p:blipFill>
+          <a:blip r:embed="rId2" cstate="print">
+            <a:extLst>
+              <a:ext uri="{28A0092B-C50C-407E-A947-70E740481C1C}">
+                <a14:useLocalDpi xmlns:a14="http://schemas.microsoft.com/office/drawing/2010/main" val="0"/>
+              </a:ext>
+            </a:extLst>
+          </a:blip>
+          <a:srcRect/>
+          <a:stretch>
+            <a:fillRect/>
+          </a:stretch>
+        </p:blipFill>
+        <p:spPr bwMode="auto">
+          <a:xfrm>
+            <a:off x="10698356" y="1386498"/>
+            <a:ext cx="2545156" cy="1696771"/>
+          </a:xfrm>
+          <a:prstGeom prst="rect">
+            <a:avLst/>
+          </a:prstGeom>
+          <a:noFill/>
+          <a:extLst>
+            <a:ext uri="{909E8E84-426E-40DD-AFC4-6F175D3DCCD1}">
+              <a14:hiddenFill xmlns:a14="http://schemas.microsoft.com/office/drawing/2010/main">
+                <a:solidFill>
+                  <a:srgbClr val="FFFFFF"/>
+                </a:solidFill>
+              </a14:hiddenFill>
+            </a:ext>
+          </a:extLst>
+        </p:spPr>
+      </p:pic>
+      <p:sp>
+        <p:nvSpPr>
+          <p:cNvPr id="9" name="AutoShape 12" descr="In case you missed it: Insights from MoneyLIVE">
+            <a:extLst>
+              <a:ext uri="{FF2B5EF4-FFF2-40B4-BE49-F238E27FC236}">
+                <a16:creationId xmlns:a16="http://schemas.microsoft.com/office/drawing/2014/main" id="{4668B771-FE44-4797-800A-929B18EED541}"/>
+              </a:ext>
+            </a:extLst>
+          </p:cNvPr>
+          <p:cNvSpPr>
+            <a:spLocks noChangeAspect="1" noChangeArrowheads="1"/>
+          </p:cNvSpPr>
+          <p:nvPr/>
+        </p:nvSpPr>
+        <p:spPr bwMode="auto">
+          <a:xfrm>
+            <a:off x="5943600" y="3276600"/>
+            <a:ext cx="304800" cy="304800"/>
+          </a:xfrm>
+          <a:prstGeom prst="rect">
+            <a:avLst/>
+          </a:prstGeom>
+          <a:noFill/>
+          <a:extLst>
+            <a:ext uri="{909E8E84-426E-40DD-AFC4-6F175D3DCCD1}">
+              <a14:hiddenFill xmlns:a14="http://schemas.microsoft.com/office/drawing/2010/main">
+                <a:solidFill>
+                  <a:srgbClr val="FFFFFF"/>
+                </a:solidFill>
+              </a14:hiddenFill>
+            </a:ext>
+          </a:extLst>
+        </p:spPr>
+        <p:txBody>
+          <a:bodyPr vert="horz" wrap="square" lIns="91440" tIns="45720" rIns="91440" bIns="45720" numCol="1" anchor="t" anchorCtr="0" compatLnSpc="1">
+            <a:prstTxWarp prst="textNoShape">
+              <a:avLst/>
+            </a:prstTxWarp>
+          </a:bodyPr>
+          <a:lstStyle/>
+          <a:p>
+            <a:endParaRPr lang="en-US"/>
+          </a:p>
+        </p:txBody>
+      </p:sp>
+      <p:pic>
+        <p:nvPicPr>
+          <p:cNvPr id="2062" name="Picture 14" descr="MoneyLIVE Summit - QEII Centre">
+            <a:extLst>
+              <a:ext uri="{FF2B5EF4-FFF2-40B4-BE49-F238E27FC236}">
+                <a16:creationId xmlns:a16="http://schemas.microsoft.com/office/drawing/2014/main" id="{14DD0F9E-DF6E-40C6-96F0-BE56B7C019EA}"/>
+              </a:ext>
+            </a:extLst>
+          </p:cNvPr>
+          <p:cNvPicPr>
+            <a:picLocks noChangeAspect="1" noChangeArrowheads="1"/>
+          </p:cNvPicPr>
+          <p:nvPr/>
+        </p:nvPicPr>
+        <p:blipFill>
+          <a:blip r:embed="rId3" cstate="print">
+            <a:extLst>
+              <a:ext uri="{28A0092B-C50C-407E-A947-70E740481C1C}">
+                <a14:useLocalDpi xmlns:a14="http://schemas.microsoft.com/office/drawing/2010/main" val="0"/>
+              </a:ext>
+            </a:extLst>
+          </a:blip>
+          <a:srcRect/>
+          <a:stretch>
+            <a:fillRect/>
+          </a:stretch>
+        </p:blipFill>
+        <p:spPr bwMode="auto">
+          <a:xfrm>
+            <a:off x="9915852" y="3050263"/>
+            <a:ext cx="2736558" cy="1824372"/>
+          </a:xfrm>
+          <a:prstGeom prst="rect">
+            <a:avLst/>
+          </a:prstGeom>
+          <a:noFill/>
+          <a:extLst>
+            <a:ext uri="{909E8E84-426E-40DD-AFC4-6F175D3DCCD1}">
+              <a14:hiddenFill xmlns:a14="http://schemas.microsoft.com/office/drawing/2010/main">
+                <a:solidFill>
+                  <a:srgbClr val="FFFFFF"/>
+                </a:solidFill>
+              </a14:hiddenFill>
+            </a:ext>
+          </a:extLst>
+        </p:spPr>
+      </p:pic>
+      <p:pic>
+        <p:nvPicPr>
+          <p:cNvPr id="2072" name="Picture 24" descr="MoneyLIVE | LinkedIn">
+            <a:extLst>
+              <a:ext uri="{FF2B5EF4-FFF2-40B4-BE49-F238E27FC236}">
+                <a16:creationId xmlns:a16="http://schemas.microsoft.com/office/drawing/2014/main" id="{BAB34650-D5E0-4A67-8F87-19AFB35EF66D}"/>
+              </a:ext>
+            </a:extLst>
+          </p:cNvPr>
+          <p:cNvPicPr>
+            <a:picLocks noChangeAspect="1" noChangeArrowheads="1"/>
+          </p:cNvPicPr>
+          <p:nvPr/>
+        </p:nvPicPr>
+        <p:blipFill>
+          <a:blip r:embed="rId4" cstate="print">
+            <a:extLst>
+              <a:ext uri="{28A0092B-C50C-407E-A947-70E740481C1C}">
+                <a14:useLocalDpi xmlns:a14="http://schemas.microsoft.com/office/drawing/2010/main" val="0"/>
+              </a:ext>
+            </a:extLst>
+          </a:blip>
+          <a:srcRect/>
+          <a:stretch>
+            <a:fillRect/>
+          </a:stretch>
+        </p:blipFill>
+        <p:spPr bwMode="auto">
+          <a:xfrm>
+            <a:off x="7435895" y="4274904"/>
+            <a:ext cx="2888801" cy="1925273"/>
+          </a:xfrm>
+          <a:prstGeom prst="rect">
+            <a:avLst/>
+          </a:prstGeom>
+          <a:noFill/>
+          <a:extLst>
+            <a:ext uri="{909E8E84-426E-40DD-AFC4-6F175D3DCCD1}">
+              <a14:hiddenFill xmlns:a14="http://schemas.microsoft.com/office/drawing/2010/main">
+                <a:solidFill>
+                  <a:srgbClr val="FFFFFF"/>
+                </a:solidFill>
+              </a14:hiddenFill>
+            </a:ext>
+          </a:extLst>
+        </p:spPr>
+      </p:pic>
+      <p:pic>
+        <p:nvPicPr>
+          <p:cNvPr id="2066" name="Picture 18" descr="MoneyLive: a conference at the QEII Centre | Owen Billcliffe Photography">
+            <a:extLst>
+              <a:ext uri="{FF2B5EF4-FFF2-40B4-BE49-F238E27FC236}">
+                <a16:creationId xmlns:a16="http://schemas.microsoft.com/office/drawing/2014/main" id="{70162FE4-CC31-42F0-903A-BCCFE9FBFEFE}"/>
+              </a:ext>
+            </a:extLst>
+          </p:cNvPr>
+          <p:cNvPicPr>
+            <a:picLocks noChangeAspect="1" noChangeArrowheads="1"/>
+          </p:cNvPicPr>
+          <p:nvPr/>
+        </p:nvPicPr>
+        <p:blipFill>
+          <a:blip r:embed="rId5" cstate="print">
+            <a:extLst>
+              <a:ext uri="{28A0092B-C50C-407E-A947-70E740481C1C}">
+                <a14:useLocalDpi xmlns:a14="http://schemas.microsoft.com/office/drawing/2010/main" val="0"/>
+              </a:ext>
+            </a:extLst>
+          </a:blip>
+          <a:srcRect/>
+          <a:stretch>
+            <a:fillRect/>
+          </a:stretch>
+        </p:blipFill>
+        <p:spPr bwMode="auto">
+          <a:xfrm>
+            <a:off x="7030778" y="2840305"/>
+            <a:ext cx="3051495" cy="2034330"/>
+          </a:xfrm>
+          <a:prstGeom prst="rect">
+            <a:avLst/>
+          </a:prstGeom>
+          <a:noFill/>
+          <a:extLst>
+            <a:ext uri="{909E8E84-426E-40DD-AFC4-6F175D3DCCD1}">
+              <a14:hiddenFill xmlns:a14="http://schemas.microsoft.com/office/drawing/2010/main">
+                <a:solidFill>
+                  <a:srgbClr val="FFFFFF"/>
+                </a:solidFill>
+              </a14:hiddenFill>
+            </a:ext>
+          </a:extLst>
+        </p:spPr>
+      </p:pic>
+      <p:pic>
+        <p:nvPicPr>
+          <p:cNvPr id="2070" name="Picture 22" descr="MoneyLIVE Summit - QEII Centre">
+            <a:extLst>
+              <a:ext uri="{FF2B5EF4-FFF2-40B4-BE49-F238E27FC236}">
+                <a16:creationId xmlns:a16="http://schemas.microsoft.com/office/drawing/2014/main" id="{5C71E350-F5E1-45A1-9FAD-673483BDFC9D}"/>
+              </a:ext>
+            </a:extLst>
+          </p:cNvPr>
+          <p:cNvPicPr>
+            <a:picLocks noChangeAspect="1" noChangeArrowheads="1"/>
+          </p:cNvPicPr>
+          <p:nvPr/>
+        </p:nvPicPr>
+        <p:blipFill>
+          <a:blip r:embed="rId6" cstate="print">
+            <a:extLst>
+              <a:ext uri="{28A0092B-C50C-407E-A947-70E740481C1C}">
+                <a14:useLocalDpi xmlns:a14="http://schemas.microsoft.com/office/drawing/2010/main" val="0"/>
+              </a:ext>
+            </a:extLst>
+          </a:blip>
+          <a:srcRect/>
+          <a:stretch>
+            <a:fillRect/>
+          </a:stretch>
+        </p:blipFill>
+        <p:spPr bwMode="auto">
+          <a:xfrm>
+            <a:off x="9646844" y="4874635"/>
+            <a:ext cx="2545156" cy="1696771"/>
+          </a:xfrm>
+          <a:prstGeom prst="rect">
+            <a:avLst/>
+          </a:prstGeom>
+          <a:noFill/>
+          <a:extLst>
+            <a:ext uri="{909E8E84-426E-40DD-AFC4-6F175D3DCCD1}">
+              <a14:hiddenFill xmlns:a14="http://schemas.microsoft.com/office/drawing/2010/main">
+                <a:solidFill>
+                  <a:srgbClr val="FFFFFF"/>
+                </a:solidFill>
+              </a14:hiddenFill>
+            </a:ext>
+          </a:extLst>
+        </p:spPr>
+      </p:pic>
+      <p:pic>
+        <p:nvPicPr>
+          <p:cNvPr id="2068" name="Picture 20" descr="MoneyLIVE Summit - QEII Centre">
+            <a:extLst>
+              <a:ext uri="{FF2B5EF4-FFF2-40B4-BE49-F238E27FC236}">
+                <a16:creationId xmlns:a16="http://schemas.microsoft.com/office/drawing/2014/main" id="{AB2FCDB4-F15D-490B-B478-E43A688E1527}"/>
+              </a:ext>
+            </a:extLst>
+          </p:cNvPr>
+          <p:cNvPicPr>
+            <a:picLocks noChangeAspect="1" noChangeArrowheads="1"/>
+          </p:cNvPicPr>
+          <p:nvPr/>
+        </p:nvPicPr>
+        <p:blipFill>
+          <a:blip r:embed="rId7" cstate="print">
+            <a:extLst>
+              <a:ext uri="{28A0092B-C50C-407E-A947-70E740481C1C}">
+                <a14:useLocalDpi xmlns:a14="http://schemas.microsoft.com/office/drawing/2010/main" val="0"/>
+              </a:ext>
+            </a:extLst>
+          </a:blip>
+          <a:srcRect/>
+          <a:stretch>
+            <a:fillRect/>
+          </a:stretch>
+        </p:blipFill>
+        <p:spPr bwMode="auto">
+          <a:xfrm>
+            <a:off x="7308301" y="744904"/>
+            <a:ext cx="3570713" cy="2380475"/>
+          </a:xfrm>
+          <a:prstGeom prst="rect">
+            <a:avLst/>
+          </a:prstGeom>
+          <a:noFill/>
+          <a:extLst>
+            <a:ext uri="{909E8E84-426E-40DD-AFC4-6F175D3DCCD1}">
+              <a14:hiddenFill xmlns:a14="http://schemas.microsoft.com/office/drawing/2010/main">
+                <a:solidFill>
+                  <a:srgbClr val="FFFFFF"/>
+                </a:solidFill>
+              </a14:hiddenFill>
+            </a:ext>
+          </a:extLst>
+        </p:spPr>
+      </p:pic>
+    </p:spTree>
+    <p:extLst>
+      <p:ext uri="{BB962C8B-B14F-4D97-AF65-F5344CB8AC3E}">
+        <p14:creationId xmlns:p14="http://schemas.microsoft.com/office/powerpoint/2010/main" val="4177181283"/>
+      </p:ext>
+    </p:extLst>
+  </p:cSld>
+  <p:clrMapOvr>
+    <a:masterClrMapping/>
+  </p:clrMapOvr>
+</p:sld>
+</file>
+
+<file path=ppt/slides/slide3.xml><?xml version="1.0" encoding="utf-8"?>
+<p:sld xmlns:a="http://schemas.openxmlformats.org/drawingml/2006/main" xmlns:r="http://schemas.openxmlformats.org/officeDocument/2006/relationships" xmlns:p="http://schemas.openxmlformats.org/presentationml/2006/main" showMasterSp="0">
+  <p:cSld>
+    <p:spTree>
+      <p:nvGrpSpPr>
+        <p:cNvPr id="1" name=""/>
+        <p:cNvGrpSpPr/>
+        <p:nvPr/>
+      </p:nvGrpSpPr>
+      <p:grpSpPr>
+        <a:xfrm>
+          <a:off x="0" y="0"/>
+          <a:ext cx="0" cy="0"/>
+          <a:chOff x="0" y="0"/>
+          <a:chExt cx="0" cy="0"/>
+        </a:xfrm>
+      </p:grpSpPr>
+      <p:sp>
+        <p:nvSpPr>
+          <p:cNvPr id="8" name="Заголовок 1">
+            <a:extLst>
+              <a:ext uri="{FF2B5EF4-FFF2-40B4-BE49-F238E27FC236}">
+                <a16:creationId xmlns:a16="http://schemas.microsoft.com/office/drawing/2014/main" id="{86DD6D96-0E43-47CB-9E68-29A1349A5AAF}"/>
+              </a:ext>
+            </a:extLst>
+          </p:cNvPr>
+          <p:cNvSpPr>
+            <a:spLocks noGrp="1"/>
+          </p:cNvSpPr>
+          <p:nvPr>
+            <p:ph type="title"/>
+          </p:nvPr>
+        </p:nvSpPr>
+        <p:spPr>
+          <a:xfrm>
+            <a:off x="652126" y="247609"/>
+            <a:ext cx="6517600" cy="631604"/>
+          </a:xfrm>
+        </p:spPr>
+        <p:txBody>
+          <a:bodyPr/>
+          <a:lstStyle/>
+          <a:p>
+            <a:r>
+              <a:rPr lang="ru-RU" sz="3600" b="1" dirty="0">
+                <a:solidFill>
+                  <a:schemeClr val="tx1"/>
+                </a:solidFill>
+                <a:latin typeface="Arial Black" panose="020B0A04020102020204" pitchFamily="34" charset="0"/>
+              </a:rPr>
+              <a:t>Реквизит</a:t>
+            </a:r>
+          </a:p>
+        </p:txBody>
+      </p:sp>
+      <p:sp>
+        <p:nvSpPr>
+          <p:cNvPr id="2" name="Rectangle 1">
+            <a:extLst>
+              <a:ext uri="{FF2B5EF4-FFF2-40B4-BE49-F238E27FC236}">
+                <a16:creationId xmlns:a16="http://schemas.microsoft.com/office/drawing/2014/main" id="{FA3DE012-1D1F-44C1-9CB4-5F3B4D1A38E3}"/>
+              </a:ext>
+            </a:extLst>
+          </p:cNvPr>
+          <p:cNvSpPr/>
+          <p:nvPr/>
+        </p:nvSpPr>
+        <p:spPr>
+          <a:xfrm>
+            <a:off x="652126" y="1132134"/>
+            <a:ext cx="9798211" cy="2800767"/>
+          </a:xfrm>
+          <a:prstGeom prst="rect">
+            <a:avLst/>
+          </a:prstGeom>
+        </p:spPr>
+        <p:txBody>
+          <a:bodyPr wrap="square">
+            <a:spAutoFit/>
+          </a:bodyPr>
+          <a:lstStyle/>
+          <a:p>
+            <a:r>
+              <a:rPr lang="ru-RU" sz="2200" dirty="0"/>
+              <a:t>Главными компонентами нашего стенда будут являться </a:t>
+            </a:r>
+            <a:r>
+              <a:rPr lang="ru-RU" sz="2200" b="1" dirty="0"/>
+              <a:t>презентации наших продуктов </a:t>
+            </a:r>
+            <a:r>
+              <a:rPr lang="ru-RU" sz="2200" dirty="0"/>
+              <a:t>и </a:t>
+            </a:r>
+            <a:r>
+              <a:rPr lang="ru-RU" sz="2200" b="1" dirty="0"/>
+              <a:t>брошюры</a:t>
+            </a:r>
+            <a:r>
+              <a:rPr lang="ru-RU" sz="2200" dirty="0"/>
+              <a:t> с описанием наших решений.</a:t>
+            </a:r>
+            <a:endParaRPr lang="en-US" sz="2200" dirty="0"/>
+          </a:p>
+          <a:p>
+            <a:endParaRPr lang="en-US" sz="2200" b="1" dirty="0"/>
+          </a:p>
+          <a:p>
+            <a:r>
+              <a:rPr lang="ru-RU" sz="2200" dirty="0"/>
+              <a:t>Будет разработана </a:t>
+            </a:r>
+            <a:r>
+              <a:rPr lang="ru-RU" sz="2200" b="1" dirty="0"/>
+              <a:t>веб-страница</a:t>
+            </a:r>
+            <a:r>
+              <a:rPr lang="ru-RU" sz="2200" dirty="0"/>
+              <a:t> с описанием продуктов</a:t>
+            </a:r>
+            <a:r>
+              <a:rPr lang="en-US" sz="2200" dirty="0"/>
+              <a:t>, c </a:t>
+            </a:r>
+            <a:r>
+              <a:rPr lang="ru-RU" sz="2200" dirty="0"/>
+              <a:t>возможность заказать демо-версию продукта или оставить свои контакты для связи.</a:t>
+            </a:r>
+            <a:r>
+              <a:rPr lang="en-US" sz="2200" dirty="0"/>
+              <a:t> </a:t>
+            </a:r>
+          </a:p>
+          <a:p>
+            <a:endParaRPr lang="en-US" sz="2200" b="1" dirty="0"/>
+          </a:p>
+        </p:txBody>
+      </p:sp>
+      <p:pic>
+        <p:nvPicPr>
+          <p:cNvPr id="3074" name="Picture 2" descr="la presentation">
+            <a:extLst>
+              <a:ext uri="{FF2B5EF4-FFF2-40B4-BE49-F238E27FC236}">
+                <a16:creationId xmlns:a16="http://schemas.microsoft.com/office/drawing/2014/main" id="{EC3DC4B4-6FEC-486C-A5D0-2AE823E177C4}"/>
+              </a:ext>
+            </a:extLst>
+          </p:cNvPr>
+          <p:cNvPicPr>
+            <a:picLocks noChangeAspect="1" noChangeArrowheads="1"/>
+          </p:cNvPicPr>
+          <p:nvPr/>
+        </p:nvPicPr>
+        <p:blipFill>
+          <a:blip r:embed="rId2">
+            <a:extLst>
+              <a:ext uri="{28A0092B-C50C-407E-A947-70E740481C1C}">
+                <a14:useLocalDpi xmlns:a14="http://schemas.microsoft.com/office/drawing/2010/main" val="0"/>
+              </a:ext>
+            </a:extLst>
+          </a:blip>
+          <a:srcRect/>
+          <a:stretch>
+            <a:fillRect/>
+          </a:stretch>
+        </p:blipFill>
+        <p:spPr bwMode="auto">
+          <a:xfrm>
+            <a:off x="9670958" y="4354958"/>
+            <a:ext cx="2014914" cy="2412652"/>
+          </a:xfrm>
+          <a:prstGeom prst="rect">
+            <a:avLst/>
+          </a:prstGeom>
+          <a:noFill/>
+          <a:extLst>
+            <a:ext uri="{909E8E84-426E-40DD-AFC4-6F175D3DCCD1}">
+              <a14:hiddenFill xmlns:a14="http://schemas.microsoft.com/office/drawing/2010/main">
+                <a:solidFill>
+                  <a:srgbClr val="FFFFFF"/>
+                </a:solidFill>
+              </a14:hiddenFill>
+            </a:ext>
+          </a:extLst>
+        </p:spPr>
+      </p:pic>
+      <p:pic>
+        <p:nvPicPr>
+          <p:cNvPr id="3078" name="Picture 6" descr="tp presentation">
+            <a:extLst>
+              <a:ext uri="{FF2B5EF4-FFF2-40B4-BE49-F238E27FC236}">
+                <a16:creationId xmlns:a16="http://schemas.microsoft.com/office/drawing/2014/main" id="{B0829FE7-CCF7-4A66-8040-63A483836BB3}"/>
+              </a:ext>
+            </a:extLst>
+          </p:cNvPr>
+          <p:cNvPicPr>
+            <a:picLocks noChangeAspect="1" noChangeArrowheads="1"/>
+          </p:cNvPicPr>
+          <p:nvPr/>
+        </p:nvPicPr>
+        <p:blipFill>
+          <a:blip r:embed="rId3">
+            <a:extLst>
+              <a:ext uri="{28A0092B-C50C-407E-A947-70E740481C1C}">
+                <a14:useLocalDpi xmlns:a14="http://schemas.microsoft.com/office/drawing/2010/main" val="0"/>
+              </a:ext>
+            </a:extLst>
+          </a:blip>
+          <a:srcRect/>
+          <a:stretch>
+            <a:fillRect/>
+          </a:stretch>
+        </p:blipFill>
+        <p:spPr bwMode="auto">
+          <a:xfrm>
+            <a:off x="6669772" y="4331133"/>
+            <a:ext cx="2070915" cy="2474341"/>
+          </a:xfrm>
+          <a:prstGeom prst="rect">
+            <a:avLst/>
+          </a:prstGeom>
+          <a:noFill/>
+          <a:extLst>
+            <a:ext uri="{909E8E84-426E-40DD-AFC4-6F175D3DCCD1}">
+              <a14:hiddenFill xmlns:a14="http://schemas.microsoft.com/office/drawing/2010/main">
+                <a:solidFill>
+                  <a:srgbClr val="FFFFFF"/>
+                </a:solidFill>
+              </a14:hiddenFill>
+            </a:ext>
+          </a:extLst>
+        </p:spPr>
+      </p:pic>
+      <p:pic>
+        <p:nvPicPr>
+          <p:cNvPr id="3080" name="Picture 8" descr="tr presentation">
+            <a:extLst>
+              <a:ext uri="{FF2B5EF4-FFF2-40B4-BE49-F238E27FC236}">
+                <a16:creationId xmlns:a16="http://schemas.microsoft.com/office/drawing/2014/main" id="{63DBF60A-FED4-41E8-BEB5-0463A40081FE}"/>
+              </a:ext>
+            </a:extLst>
+          </p:cNvPr>
+          <p:cNvPicPr>
+            <a:picLocks noChangeAspect="1" noChangeArrowheads="1"/>
+          </p:cNvPicPr>
+          <p:nvPr/>
+        </p:nvPicPr>
+        <p:blipFill>
+          <a:blip r:embed="rId4">
+            <a:extLst>
+              <a:ext uri="{28A0092B-C50C-407E-A947-70E740481C1C}">
+                <a14:useLocalDpi xmlns:a14="http://schemas.microsoft.com/office/drawing/2010/main" val="0"/>
+              </a:ext>
+            </a:extLst>
+          </a:blip>
+          <a:srcRect/>
+          <a:stretch>
+            <a:fillRect/>
+          </a:stretch>
+        </p:blipFill>
+        <p:spPr bwMode="auto">
+          <a:xfrm>
+            <a:off x="755009" y="4403300"/>
+            <a:ext cx="1978824" cy="2364310"/>
+          </a:xfrm>
+          <a:prstGeom prst="rect">
+            <a:avLst/>
+          </a:prstGeom>
+          <a:noFill/>
+          <a:extLst>
+            <a:ext uri="{909E8E84-426E-40DD-AFC4-6F175D3DCCD1}">
+              <a14:hiddenFill xmlns:a14="http://schemas.microsoft.com/office/drawing/2010/main">
+                <a:solidFill>
+                  <a:srgbClr val="FFFFFF"/>
+                </a:solidFill>
+              </a14:hiddenFill>
+            </a:ext>
+          </a:extLst>
+        </p:spPr>
+      </p:pic>
+      <p:pic>
+        <p:nvPicPr>
+          <p:cNvPr id="3082" name="Picture 10" descr="pamm presentation">
+            <a:extLst>
+              <a:ext uri="{FF2B5EF4-FFF2-40B4-BE49-F238E27FC236}">
+                <a16:creationId xmlns:a16="http://schemas.microsoft.com/office/drawing/2014/main" id="{77C6E673-053A-4D70-833D-5A2C02BFDBA8}"/>
+              </a:ext>
+            </a:extLst>
+          </p:cNvPr>
+          <p:cNvPicPr>
+            <a:picLocks noChangeAspect="1" noChangeArrowheads="1"/>
+          </p:cNvPicPr>
+          <p:nvPr/>
+        </p:nvPicPr>
+        <p:blipFill>
+          <a:blip r:embed="rId5">
+            <a:extLst>
+              <a:ext uri="{28A0092B-C50C-407E-A947-70E740481C1C}">
+                <a14:useLocalDpi xmlns:a14="http://schemas.microsoft.com/office/drawing/2010/main" val="0"/>
+              </a:ext>
+            </a:extLst>
+          </a:blip>
+          <a:srcRect/>
+          <a:stretch>
+            <a:fillRect/>
+          </a:stretch>
+        </p:blipFill>
+        <p:spPr bwMode="auto">
+          <a:xfrm>
+            <a:off x="3668586" y="4403300"/>
+            <a:ext cx="2066433" cy="2474341"/>
+          </a:xfrm>
+          <a:prstGeom prst="rect">
+            <a:avLst/>
+          </a:prstGeom>
+          <a:noFill/>
+          <a:extLst>
+            <a:ext uri="{909E8E84-426E-40DD-AFC4-6F175D3DCCD1}">
+              <a14:hiddenFill xmlns:a14="http://schemas.microsoft.com/office/drawing/2010/main">
+                <a:solidFill>
+                  <a:srgbClr val="FFFFFF"/>
+                </a:solidFill>
+              </a14:hiddenFill>
+            </a:ext>
+          </a:extLst>
+        </p:spPr>
+      </p:pic>
+      <p:sp>
+        <p:nvSpPr>
+          <p:cNvPr id="13" name="TextBox 12">
+            <a:extLst>
+              <a:ext uri="{FF2B5EF4-FFF2-40B4-BE49-F238E27FC236}">
+                <a16:creationId xmlns:a16="http://schemas.microsoft.com/office/drawing/2014/main" id="{A0DCC8D3-922B-4B38-BF3D-150301DC354E}"/>
+              </a:ext>
+            </a:extLst>
+          </p:cNvPr>
+          <p:cNvSpPr txBox="1"/>
+          <p:nvPr/>
+        </p:nvSpPr>
+        <p:spPr>
+          <a:xfrm>
+            <a:off x="652126" y="3710944"/>
+            <a:ext cx="4487464" cy="523220"/>
+          </a:xfrm>
+          <a:prstGeom prst="rect">
+            <a:avLst/>
+          </a:prstGeom>
+          <a:noFill/>
+        </p:spPr>
+        <p:txBody>
+          <a:bodyPr wrap="square" rtlCol="0">
+            <a:spAutoFit/>
+          </a:bodyPr>
+          <a:lstStyle/>
+          <a:p>
+            <a:r>
+              <a:rPr lang="ru-RU" sz="1400" i="1" dirty="0"/>
+              <a:t>Из сувенирова на стенде будет присутствовать флешки с логотипом компании </a:t>
+            </a:r>
+            <a:endParaRPr lang="en-US" sz="1400" i="1" dirty="0"/>
+          </a:p>
+        </p:txBody>
+      </p:sp>
+    </p:spTree>
+    <p:extLst>
+      <p:ext uri="{BB962C8B-B14F-4D97-AF65-F5344CB8AC3E}">
+        <p14:creationId xmlns:p14="http://schemas.microsoft.com/office/powerpoint/2010/main" val="3455076879"/>
+      </p:ext>
+    </p:extLst>
+  </p:cSld>
+  <p:clrMapOvr>
+    <a:masterClrMapping/>
+  </p:clrMapOvr>
+</p:sld>
+</file>
+
+<file path=ppt/slides/slide4.xml><?xml version="1.0" encoding="utf-8"?>
+<p:sld xmlns:a="http://schemas.openxmlformats.org/drawingml/2006/main" xmlns:r="http://schemas.openxmlformats.org/officeDocument/2006/relationships" xmlns:p="http://schemas.openxmlformats.org/presentationml/2006/main" showMasterSp="0">
+  <p:cSld>
+    <p:spTree>
+      <p:nvGrpSpPr>
+        <p:cNvPr id="1" name=""/>
+        <p:cNvGrpSpPr/>
+        <p:nvPr/>
+      </p:nvGrpSpPr>
+      <p:grpSpPr>
+        <a:xfrm>
+          <a:off x="0" y="0"/>
+          <a:ext cx="0" cy="0"/>
+          <a:chOff x="0" y="0"/>
+          <a:chExt cx="0" cy="0"/>
+        </a:xfrm>
+      </p:grpSpPr>
+      <p:sp>
+        <p:nvSpPr>
+          <p:cNvPr id="8" name="Заголовок 1">
+            <a:extLst>
+              <a:ext uri="{FF2B5EF4-FFF2-40B4-BE49-F238E27FC236}">
+                <a16:creationId xmlns:a16="http://schemas.microsoft.com/office/drawing/2014/main" id="{9DA95DF0-3837-4EBE-81D4-0F2390EFD3A6}"/>
+              </a:ext>
+            </a:extLst>
+          </p:cNvPr>
+          <p:cNvSpPr>
+            <a:spLocks noGrp="1"/>
+          </p:cNvSpPr>
+          <p:nvPr>
+            <p:ph type="title"/>
+          </p:nvPr>
+        </p:nvSpPr>
+        <p:spPr>
+          <a:xfrm>
+            <a:off x="619759" y="388612"/>
+            <a:ext cx="6771641" cy="1211588"/>
+          </a:xfrm>
+        </p:spPr>
+        <p:txBody>
+          <a:bodyPr/>
+          <a:lstStyle/>
+          <a:p>
+            <a:r>
+              <a:rPr lang="ru-RU" sz="3600" b="1" dirty="0">
+                <a:solidFill>
+                  <a:schemeClr val="tx1"/>
+                </a:solidFill>
+                <a:latin typeface="Arial Black" panose="020B0A04020102020204" pitchFamily="34" charset="0"/>
+              </a:rPr>
+              <a:t>Параметры выстовочного стенда </a:t>
+            </a:r>
+            <a:endParaRPr lang="ru-RU" sz="3600" b="1" dirty="0">
+              <a:solidFill>
+                <a:schemeClr val="tx1"/>
+              </a:solidFill>
+            </a:endParaRPr>
+          </a:p>
+        </p:txBody>
+      </p:sp>
+      <p:sp>
+        <p:nvSpPr>
+          <p:cNvPr id="9" name="TextBox 8">
+            <a:extLst>
+              <a:ext uri="{FF2B5EF4-FFF2-40B4-BE49-F238E27FC236}">
+                <a16:creationId xmlns:a16="http://schemas.microsoft.com/office/drawing/2014/main" id="{9F36DE6D-752A-4084-81B7-8B4E0A137B21}"/>
+              </a:ext>
+            </a:extLst>
+          </p:cNvPr>
+          <p:cNvSpPr txBox="1"/>
+          <p:nvPr/>
+        </p:nvSpPr>
+        <p:spPr>
+          <a:xfrm>
+            <a:off x="619759" y="2209800"/>
+            <a:ext cx="5476241" cy="2462213"/>
+          </a:xfrm>
+          <a:prstGeom prst="rect">
+            <a:avLst/>
+          </a:prstGeom>
+          <a:noFill/>
+        </p:spPr>
+        <p:txBody>
+          <a:bodyPr wrap="square">
+            <a:spAutoFit/>
+          </a:bodyPr>
+          <a:lstStyle/>
+          <a:p>
+            <a:r>
+              <a:rPr lang="ru-RU" sz="2200" dirty="0"/>
+              <a:t>Классический выставочный стенд представляет из себя конуструкция из нескольких стенок, на который изображены визуалы компании.</a:t>
+            </a:r>
+          </a:p>
+          <a:p>
+            <a:endParaRPr lang="ru-RU" sz="2200" dirty="0"/>
+          </a:p>
+          <a:p>
+            <a:r>
+              <a:rPr lang="ru-RU" sz="2200" dirty="0"/>
+              <a:t>Площадь – 20 м.кв.</a:t>
+            </a:r>
+          </a:p>
+          <a:p>
+            <a:r>
+              <a:rPr lang="ru-RU" sz="2200" dirty="0"/>
+              <a:t>Материал</a:t>
+            </a:r>
+            <a:r>
+              <a:rPr lang="en-US" sz="2200" dirty="0"/>
+              <a:t> – </a:t>
+            </a:r>
+            <a:r>
+              <a:rPr lang="ru-RU" sz="2200" dirty="0"/>
+              <a:t>металл, пластик, стекло</a:t>
+            </a:r>
+          </a:p>
+        </p:txBody>
+      </p:sp>
+      <p:pic>
+        <p:nvPicPr>
+          <p:cNvPr id="7" name="Graphic 6">
+            <a:extLst>
+              <a:ext uri="{FF2B5EF4-FFF2-40B4-BE49-F238E27FC236}">
+                <a16:creationId xmlns:a16="http://schemas.microsoft.com/office/drawing/2014/main" id="{784208A4-9F0F-448D-BEE8-73DE3D0E9C03}"/>
+              </a:ext>
+            </a:extLst>
+          </p:cNvPr>
+          <p:cNvPicPr>
+            <a:picLocks noChangeAspect="1"/>
+          </p:cNvPicPr>
+          <p:nvPr/>
+        </p:nvPicPr>
+        <p:blipFill>
+          <a:blip r:embed="rId2" cstate="print">
+            <a:extLst>
+              <a:ext uri="{28A0092B-C50C-407E-A947-70E740481C1C}">
+                <a14:useLocalDpi xmlns:a14="http://schemas.microsoft.com/office/drawing/2010/main" val="0"/>
+              </a:ext>
+              <a:ext uri="{96DAC541-7B7A-43D3-8B79-37D633B846F1}">
+                <asvg:svgBlip xmlns:asvg="http://schemas.microsoft.com/office/drawing/2016/SVG/main" r:embed="rId3"/>
+              </a:ext>
+            </a:extLst>
+          </a:blip>
+          <a:stretch>
+            <a:fillRect/>
+          </a:stretch>
+        </p:blipFill>
+        <p:spPr>
+          <a:xfrm>
+            <a:off x="6426202" y="2209800"/>
+            <a:ext cx="5022823" cy="3927656"/>
+          </a:xfrm>
+          <a:prstGeom prst="rect">
+            <a:avLst/>
+          </a:prstGeom>
+        </p:spPr>
+      </p:pic>
+    </p:spTree>
+    <p:extLst>
+      <p:ext uri="{BB962C8B-B14F-4D97-AF65-F5344CB8AC3E}">
+        <p14:creationId xmlns:p14="http://schemas.microsoft.com/office/powerpoint/2010/main" val="1089322101"/>
+      </p:ext>
+    </p:extLst>
+  </p:cSld>
+  <p:clrMapOvr>
+    <a:masterClrMapping/>
+  </p:clrMapOvr>
+</p:sld>
+</file>
+
+<file path=ppt/slides/slide5.xml><?xml version="1.0" encoding="utf-8"?>
+<p:sld xmlns:a="http://schemas.openxmlformats.org/drawingml/2006/main" xmlns:r="http://schemas.openxmlformats.org/officeDocument/2006/relationships" xmlns:p="http://schemas.openxmlformats.org/presentationml/2006/main">
+  <p:cSld>
+    <p:spTree>
+      <p:nvGrpSpPr>
+        <p:cNvPr id="1" name=""/>
+        <p:cNvGrpSpPr/>
+        <p:nvPr/>
+      </p:nvGrpSpPr>
+      <p:grpSpPr>
+        <a:xfrm>
+          <a:off x="0" y="0"/>
+          <a:ext cx="0" cy="0"/>
+          <a:chOff x="0" y="0"/>
+          <a:chExt cx="0" cy="0"/>
+        </a:xfrm>
+      </p:grpSpPr>
+      <p:sp>
+        <p:nvSpPr>
+          <p:cNvPr id="8" name="Заголовок 1">
+            <a:extLst>
+              <a:ext uri="{FF2B5EF4-FFF2-40B4-BE49-F238E27FC236}">
+                <a16:creationId xmlns:a16="http://schemas.microsoft.com/office/drawing/2014/main" id="{9DA95DF0-3837-4EBE-81D4-0F2390EFD3A6}"/>
+              </a:ext>
+            </a:extLst>
+          </p:cNvPr>
+          <p:cNvSpPr>
+            <a:spLocks noGrp="1"/>
+          </p:cNvSpPr>
+          <p:nvPr>
+            <p:ph type="title"/>
+          </p:nvPr>
+        </p:nvSpPr>
+        <p:spPr>
+          <a:xfrm>
+            <a:off x="5579108" y="274312"/>
+            <a:ext cx="6771641" cy="1211588"/>
+          </a:xfrm>
+        </p:spPr>
+        <p:txBody>
+          <a:bodyPr/>
+          <a:lstStyle/>
+          <a:p>
+            <a:r>
+              <a:rPr lang="ru-RU" sz="3600" b="1" dirty="0">
+                <a:solidFill>
+                  <a:schemeClr val="tx1"/>
+                </a:solidFill>
+                <a:latin typeface="Arial Black" panose="020B0A04020102020204" pitchFamily="34" charset="0"/>
+              </a:rPr>
+              <a:t>Оформление стенда</a:t>
+            </a:r>
+            <a:endParaRPr lang="ru-RU" sz="3600" b="1" dirty="0">
+              <a:solidFill>
+                <a:schemeClr val="tx1"/>
+              </a:solidFill>
+            </a:endParaRPr>
+          </a:p>
+        </p:txBody>
+      </p:sp>
+      <p:sp>
+        <p:nvSpPr>
+          <p:cNvPr id="9" name="TextBox 8">
+            <a:extLst>
+              <a:ext uri="{FF2B5EF4-FFF2-40B4-BE49-F238E27FC236}">
+                <a16:creationId xmlns:a16="http://schemas.microsoft.com/office/drawing/2014/main" id="{9F36DE6D-752A-4084-81B7-8B4E0A137B21}"/>
+              </a:ext>
+            </a:extLst>
+          </p:cNvPr>
+          <p:cNvSpPr txBox="1"/>
+          <p:nvPr/>
+        </p:nvSpPr>
+        <p:spPr>
+          <a:xfrm>
+            <a:off x="5579109" y="1663700"/>
+            <a:ext cx="6320792" cy="4493538"/>
+          </a:xfrm>
+          <a:prstGeom prst="rect">
+            <a:avLst/>
+          </a:prstGeom>
+          <a:noFill/>
+        </p:spPr>
+        <p:txBody>
+          <a:bodyPr wrap="square">
+            <a:spAutoFit/>
+          </a:bodyPr>
+          <a:lstStyle/>
+          <a:p>
+            <a:r>
+              <a:rPr lang="ru-RU" sz="2200" dirty="0"/>
+              <a:t>Стенд должен соответствовать цветовому оформлению сайта и логотипа компании. Должен быть заметным, но не броским.</a:t>
+            </a:r>
+          </a:p>
+          <a:p>
+            <a:r>
+              <a:rPr lang="ru-RU" sz="2200" dirty="0"/>
+              <a:t>Мы выбрали </a:t>
+            </a:r>
+            <a:r>
+              <a:rPr lang="ru-RU" sz="2200" b="1" dirty="0"/>
+              <a:t>зелено-черную палитру </a:t>
+            </a:r>
+            <a:r>
+              <a:rPr lang="ru-RU" sz="2200" dirty="0"/>
+              <a:t>для оформления.  Вдоль стенок будут располагаться </a:t>
+            </a:r>
+            <a:r>
+              <a:rPr lang="ru-RU" sz="2200" b="1" dirty="0"/>
+              <a:t>стелажи с растениями</a:t>
+            </a:r>
+            <a:r>
+              <a:rPr lang="ru-RU" sz="2200" dirty="0"/>
+              <a:t> и белой подсветкой сверху.</a:t>
+            </a:r>
+          </a:p>
+          <a:p>
+            <a:endParaRPr lang="ru-RU" sz="2200" dirty="0"/>
+          </a:p>
+          <a:p>
+            <a:endParaRPr lang="ru-RU" sz="2200" dirty="0"/>
+          </a:p>
+          <a:p>
+            <a:r>
+              <a:rPr lang="ru-RU" sz="2200" b="1" dirty="0"/>
+              <a:t>Материал стенда</a:t>
+            </a:r>
+            <a:r>
+              <a:rPr lang="en-US" sz="2200" dirty="0"/>
+              <a:t>: </a:t>
+            </a:r>
+            <a:r>
+              <a:rPr lang="ru-RU" sz="2200" i="1" dirty="0"/>
+              <a:t>металл-пластик</a:t>
+            </a:r>
+          </a:p>
+          <a:p>
+            <a:r>
+              <a:rPr lang="ru-RU" sz="2200" b="1" dirty="0"/>
+              <a:t>Одежда сотрудников</a:t>
+            </a:r>
+            <a:r>
+              <a:rPr lang="en-US" sz="2200" b="1" dirty="0"/>
+              <a:t>: </a:t>
+            </a:r>
+            <a:r>
+              <a:rPr lang="ru-RU" sz="2200" i="1" dirty="0"/>
+              <a:t>классические рубашки, брюки</a:t>
+            </a:r>
+          </a:p>
+          <a:p>
+            <a:endParaRPr lang="ru-RU" sz="2200" i="1" dirty="0"/>
+          </a:p>
+        </p:txBody>
+      </p:sp>
+      <p:pic>
+        <p:nvPicPr>
+          <p:cNvPr id="4098" name="Picture 2" descr="черный цвет | IN COLOR BALANCE">
+            <a:extLst>
+              <a:ext uri="{FF2B5EF4-FFF2-40B4-BE49-F238E27FC236}">
+                <a16:creationId xmlns:a16="http://schemas.microsoft.com/office/drawing/2014/main" id="{70E24C5C-0630-4C5D-A153-BBB10B017F9D}"/>
+              </a:ext>
+            </a:extLst>
+          </p:cNvPr>
+          <p:cNvPicPr>
+            <a:picLocks noChangeAspect="1" noChangeArrowheads="1"/>
+          </p:cNvPicPr>
+          <p:nvPr/>
+        </p:nvPicPr>
+        <p:blipFill>
+          <a:blip r:embed="rId2">
+            <a:extLst>
+              <a:ext uri="{28A0092B-C50C-407E-A947-70E740481C1C}">
+                <a14:useLocalDpi xmlns:a14="http://schemas.microsoft.com/office/drawing/2010/main" val="0"/>
+              </a:ext>
+            </a:extLst>
+          </a:blip>
+          <a:srcRect/>
+          <a:stretch>
+            <a:fillRect/>
+          </a:stretch>
+        </p:blipFill>
+        <p:spPr bwMode="auto">
+          <a:xfrm>
+            <a:off x="571500" y="880106"/>
+            <a:ext cx="4533900" cy="5172706"/>
+          </a:xfrm>
+          <a:prstGeom prst="rect">
+            <a:avLst/>
+          </a:prstGeom>
+          <a:noFill/>
+          <a:extLst>
+            <a:ext uri="{909E8E84-426E-40DD-AFC4-6F175D3DCCD1}">
+              <a14:hiddenFill xmlns:a14="http://schemas.microsoft.com/office/drawing/2010/main">
+                <a:solidFill>
+                  <a:srgbClr val="FFFFFF"/>
+                </a:solidFill>
+              </a14:hiddenFill>
+            </a:ext>
+          </a:extLst>
+        </p:spPr>
+      </p:pic>
+    </p:spTree>
+    <p:extLst>
+      <p:ext uri="{BB962C8B-B14F-4D97-AF65-F5344CB8AC3E}">
+        <p14:creationId xmlns:p14="http://schemas.microsoft.com/office/powerpoint/2010/main" val="2368728979"/>
+      </p:ext>
+    </p:extLst>
+  </p:cSld>
+  <p:clrMapOvr>
+    <a:masterClrMapping/>
+  </p:clrMapOvr>
+</p:sld>
+</file>
+
+<file path=ppt/slides/slide6.xml><?xml version="1.0" encoding="utf-8"?>
+<p:sld xmlns:a="http://schemas.openxmlformats.org/drawingml/2006/main" xmlns:r="http://schemas.openxmlformats.org/officeDocument/2006/relationships" xmlns:p="http://schemas.openxmlformats.org/presentationml/2006/main">
+  <p:cSld>
+    <p:spTree>
+      <p:nvGrpSpPr>
+        <p:cNvPr id="1" name=""/>
+        <p:cNvGrpSpPr/>
+        <p:nvPr/>
+      </p:nvGrpSpPr>
+      <p:grpSpPr>
+        <a:xfrm>
+          <a:off x="0" y="0"/>
+          <a:ext cx="0" cy="0"/>
+          <a:chOff x="0" y="0"/>
+          <a:chExt cx="0" cy="0"/>
+        </a:xfrm>
+      </p:grpSpPr>
+      <p:sp>
+        <p:nvSpPr>
+          <p:cNvPr id="8" name="Заголовок 1">
+            <a:extLst>
+              <a:ext uri="{FF2B5EF4-FFF2-40B4-BE49-F238E27FC236}">
+                <a16:creationId xmlns:a16="http://schemas.microsoft.com/office/drawing/2014/main" id="{9DA95DF0-3837-4EBE-81D4-0F2390EFD3A6}"/>
+              </a:ext>
+            </a:extLst>
+          </p:cNvPr>
+          <p:cNvSpPr>
+            <a:spLocks noGrp="1"/>
+          </p:cNvSpPr>
+          <p:nvPr>
+            <p:ph type="title"/>
+          </p:nvPr>
+        </p:nvSpPr>
+        <p:spPr>
+          <a:xfrm>
+            <a:off x="619759" y="388612"/>
+            <a:ext cx="6771641" cy="627388"/>
+          </a:xfrm>
+        </p:spPr>
+        <p:txBody>
+          <a:bodyPr/>
+          <a:lstStyle/>
+          <a:p>
+            <a:r>
+              <a:rPr lang="ru-RU" sz="3600" b="1" dirty="0">
+                <a:solidFill>
+                  <a:schemeClr val="tx1"/>
+                </a:solidFill>
+                <a:latin typeface="Arial Black" panose="020B0A04020102020204" pitchFamily="34" charset="0"/>
+              </a:rPr>
+              <a:t>Фишки</a:t>
+            </a:r>
+            <a:endParaRPr lang="ru-RU" sz="3600" b="1" dirty="0">
+              <a:solidFill>
+                <a:schemeClr val="tx1"/>
+              </a:solidFill>
+            </a:endParaRPr>
+          </a:p>
+        </p:txBody>
+      </p:sp>
+      <p:sp>
+        <p:nvSpPr>
+          <p:cNvPr id="9" name="TextBox 8">
+            <a:extLst>
+              <a:ext uri="{FF2B5EF4-FFF2-40B4-BE49-F238E27FC236}">
+                <a16:creationId xmlns:a16="http://schemas.microsoft.com/office/drawing/2014/main" id="{9F36DE6D-752A-4084-81B7-8B4E0A137B21}"/>
+              </a:ext>
+            </a:extLst>
+          </p:cNvPr>
+          <p:cNvSpPr txBox="1"/>
+          <p:nvPr/>
+        </p:nvSpPr>
+        <p:spPr>
+          <a:xfrm>
+            <a:off x="619759" y="1520785"/>
+            <a:ext cx="7736842" cy="3816429"/>
+          </a:xfrm>
+          <a:prstGeom prst="rect">
+            <a:avLst/>
+          </a:prstGeom>
+          <a:noFill/>
+        </p:spPr>
+        <p:txBody>
+          <a:bodyPr wrap="square">
+            <a:spAutoFit/>
+          </a:bodyPr>
+          <a:lstStyle/>
+          <a:p>
+            <a:pPr marL="457200" indent="-457200">
+              <a:buAutoNum type="arabicParenR"/>
+            </a:pPr>
+            <a:r>
+              <a:rPr lang="ru-RU" sz="2200" dirty="0"/>
+              <a:t>На одном из стендов будет располагаться </a:t>
+            </a:r>
+            <a:r>
+              <a:rPr lang="ru-RU" sz="2200" b="1" dirty="0"/>
+              <a:t>большой встроенный дисплей </a:t>
+            </a:r>
+            <a:r>
+              <a:rPr lang="ru-RU" sz="2200" dirty="0"/>
+              <a:t>для отображения видео-презентации компании. </a:t>
+            </a:r>
+          </a:p>
+          <a:p>
+            <a:pPr marL="457200" indent="-457200">
+              <a:buAutoNum type="arabicParenR"/>
+            </a:pPr>
+            <a:endParaRPr lang="ru-RU" sz="2200" dirty="0"/>
+          </a:p>
+          <a:p>
+            <a:pPr marL="457200" indent="-457200">
+              <a:buAutoNum type="arabicParenR"/>
+            </a:pPr>
+            <a:r>
+              <a:rPr lang="ru-RU" sz="2200" dirty="0"/>
+              <a:t>На полу перед стендом будет </a:t>
+            </a:r>
+            <a:r>
+              <a:rPr lang="en-US" sz="2200" b="1" dirty="0"/>
+              <a:t>QR-</a:t>
+            </a:r>
+            <a:r>
+              <a:rPr lang="ru-RU" sz="2200" b="1" dirty="0"/>
+              <a:t>код </a:t>
+            </a:r>
+            <a:r>
+              <a:rPr lang="ru-RU" sz="2200" dirty="0"/>
+              <a:t>ведущий на веб-страницу компании. </a:t>
+            </a:r>
+            <a:r>
+              <a:rPr lang="en-US" sz="2200" dirty="0"/>
+              <a:t>QR</a:t>
+            </a:r>
+            <a:r>
+              <a:rPr lang="ru-RU" sz="2200" dirty="0"/>
+              <a:t>-код будет формироваться прожектором</a:t>
+            </a:r>
+          </a:p>
+          <a:p>
+            <a:pPr marL="457200" indent="-457200">
+              <a:buAutoNum type="arabicParenR"/>
+            </a:pPr>
+            <a:endParaRPr lang="en-US" sz="2200" dirty="0"/>
+          </a:p>
+          <a:p>
+            <a:pPr marL="457200" indent="-457200">
+              <a:buAutoNum type="arabicParenR"/>
+            </a:pPr>
+            <a:r>
+              <a:rPr lang="ru-RU" sz="2200" dirty="0"/>
+              <a:t>В качестве сувенира будут выставлены </a:t>
+            </a:r>
+            <a:r>
+              <a:rPr lang="ru-RU" sz="2200" b="1" dirty="0"/>
+              <a:t>флешки</a:t>
+            </a:r>
+            <a:r>
+              <a:rPr lang="ru-RU" sz="2200" dirty="0"/>
+              <a:t>, на которых уже будет загружена информация о продуктах компании</a:t>
+            </a:r>
+            <a:endParaRPr lang="en-US" sz="2200" dirty="0"/>
+          </a:p>
+        </p:txBody>
+      </p:sp>
+      <p:pic>
+        <p:nvPicPr>
+          <p:cNvPr id="5124" name="Picture 4" descr="Сканирование QR-кода с помощью iPhone, iPad или iPod touch - Служба  поддержки Apple (RU)">
+            <a:extLst>
+              <a:ext uri="{FF2B5EF4-FFF2-40B4-BE49-F238E27FC236}">
+                <a16:creationId xmlns:a16="http://schemas.microsoft.com/office/drawing/2014/main" id="{BF9BED57-5CB3-4C86-B4B1-42C933894CD4}"/>
+              </a:ext>
+            </a:extLst>
+          </p:cNvPr>
+          <p:cNvPicPr>
+            <a:picLocks noChangeAspect="1" noChangeArrowheads="1"/>
+          </p:cNvPicPr>
+          <p:nvPr/>
+        </p:nvPicPr>
+        <p:blipFill>
+          <a:blip r:embed="rId2" cstate="print">
+            <a:extLst>
+              <a:ext uri="{28A0092B-C50C-407E-A947-70E740481C1C}">
+                <a14:useLocalDpi xmlns:a14="http://schemas.microsoft.com/office/drawing/2010/main" val="0"/>
+              </a:ext>
+            </a:extLst>
+          </a:blip>
+          <a:srcRect/>
+          <a:stretch>
+            <a:fillRect/>
+          </a:stretch>
+        </p:blipFill>
+        <p:spPr bwMode="auto">
+          <a:xfrm>
+            <a:off x="8992948" y="1065719"/>
+            <a:ext cx="2249093" cy="4546600"/>
+          </a:xfrm>
+          <a:prstGeom prst="rect">
+            <a:avLst/>
+          </a:prstGeom>
+          <a:noFill/>
+          <a:extLst>
+            <a:ext uri="{909E8E84-426E-40DD-AFC4-6F175D3DCCD1}">
+              <a14:hiddenFill xmlns:a14="http://schemas.microsoft.com/office/drawing/2010/main">
+                <a:solidFill>
+                  <a:srgbClr val="FFFFFF"/>
+                </a:solidFill>
+              </a14:hiddenFill>
+            </a:ext>
+          </a:extLst>
+        </p:spPr>
+      </p:pic>
+    </p:spTree>
+    <p:extLst>
+      <p:ext uri="{BB962C8B-B14F-4D97-AF65-F5344CB8AC3E}">
+        <p14:creationId xmlns:p14="http://schemas.microsoft.com/office/powerpoint/2010/main" val="2646370701"/>
+      </p:ext>
+    </p:extLst>
+  </p:cSld>
+  <p:clrMapOvr>
+    <a:masterClrMapping/>
+  </p:clrMapOvr>
+</p:sld>
+</file>
+
+<file path=ppt/slides/slide7.xml><?xml version="1.0" encoding="utf-8"?>
+<p:sld xmlns:a="http://schemas.openxmlformats.org/drawingml/2006/main" xmlns:r="http://schemas.openxmlformats.org/officeDocument/2006/relationships" xmlns:p="http://schemas.openxmlformats.org/presentationml/2006/main">
+  <p:cSld>
+    <p:spTree>
+      <p:nvGrpSpPr>
+        <p:cNvPr id="1" name=""/>
+        <p:cNvGrpSpPr/>
+        <p:nvPr/>
+      </p:nvGrpSpPr>
+      <p:grpSpPr>
+        <a:xfrm>
+          <a:off x="0" y="0"/>
+          <a:ext cx="0" cy="0"/>
+          <a:chOff x="0" y="0"/>
+          <a:chExt cx="0" cy="0"/>
+        </a:xfrm>
+      </p:grpSpPr>
+      <p:sp>
+        <p:nvSpPr>
+          <p:cNvPr id="3" name="TextBox 2">
+            <a:extLst>
+              <a:ext uri="{FF2B5EF4-FFF2-40B4-BE49-F238E27FC236}">
+                <a16:creationId xmlns:a16="http://schemas.microsoft.com/office/drawing/2014/main" id="{736DA511-AD28-4847-B365-237945D9B6B5}"/>
+              </a:ext>
+            </a:extLst>
+          </p:cNvPr>
+          <p:cNvSpPr txBox="1"/>
+          <p:nvPr/>
+        </p:nvSpPr>
+        <p:spPr>
+          <a:xfrm>
+            <a:off x="610180" y="1837834"/>
+            <a:ext cx="5679293" cy="2462213"/>
+          </a:xfrm>
+          <a:prstGeom prst="rect">
+            <a:avLst/>
+          </a:prstGeom>
+          <a:noFill/>
+        </p:spPr>
+        <p:txBody>
+          <a:bodyPr wrap="square">
+            <a:spAutoFit/>
+          </a:bodyPr>
+          <a:lstStyle/>
+          <a:p>
+            <a:r>
+              <a:rPr lang="ru-RU" sz="2200" dirty="0"/>
+              <a:t>Каманда для участия в саммите будет состоять из</a:t>
+            </a:r>
+            <a:r>
+              <a:rPr lang="en-US" sz="2200" dirty="0"/>
+              <a:t> </a:t>
+            </a:r>
+            <a:r>
+              <a:rPr lang="en-US" sz="2200" b="1" dirty="0"/>
+              <a:t>SEO, </a:t>
+            </a:r>
+            <a:r>
+              <a:rPr lang="ru-RU" sz="2200" b="1" dirty="0"/>
+              <a:t>продукт-менеджера </a:t>
+            </a:r>
+            <a:r>
+              <a:rPr lang="ru-RU" sz="2200" dirty="0"/>
+              <a:t>и</a:t>
+            </a:r>
+            <a:r>
+              <a:rPr lang="ru-RU" sz="2200" b="1" dirty="0"/>
+              <a:t> юриста.</a:t>
+            </a:r>
+            <a:r>
+              <a:rPr lang="en-US" sz="2200" b="1" dirty="0"/>
+              <a:t> </a:t>
+            </a:r>
+            <a:r>
+              <a:rPr lang="ru-RU" sz="2200" dirty="0"/>
+              <a:t>Этого состава вполне хватит чтобы полностью ознакомить участников выставки </a:t>
+            </a:r>
+            <a:r>
+              <a:rPr lang="en-US" sz="2200" dirty="0"/>
+              <a:t>c</a:t>
+            </a:r>
+            <a:r>
+              <a:rPr lang="ru-RU" sz="2200" dirty="0"/>
+              <a:t> нашими продуктами, процедуре их внедрения и возможных издержках</a:t>
+            </a:r>
+          </a:p>
+        </p:txBody>
+      </p:sp>
+      <p:sp>
+        <p:nvSpPr>
+          <p:cNvPr id="27" name="Заголовок 1">
+            <a:extLst>
+              <a:ext uri="{FF2B5EF4-FFF2-40B4-BE49-F238E27FC236}">
+                <a16:creationId xmlns:a16="http://schemas.microsoft.com/office/drawing/2014/main" id="{8783A7E4-9323-40FD-B32A-03F11C0125B2}"/>
+              </a:ext>
+            </a:extLst>
+          </p:cNvPr>
+          <p:cNvSpPr>
+            <a:spLocks noGrp="1"/>
+          </p:cNvSpPr>
+          <p:nvPr>
+            <p:ph type="title"/>
+          </p:nvPr>
+        </p:nvSpPr>
+        <p:spPr>
+          <a:xfrm>
+            <a:off x="610180" y="334003"/>
+            <a:ext cx="2526518" cy="627388"/>
+          </a:xfrm>
+        </p:spPr>
+        <p:txBody>
+          <a:bodyPr/>
+          <a:lstStyle/>
+          <a:p>
+            <a:r>
+              <a:rPr lang="ru-RU" sz="3600" b="1" dirty="0">
+                <a:solidFill>
+                  <a:schemeClr val="tx1"/>
+                </a:solidFill>
+                <a:latin typeface="Arial Black" panose="020B0A04020102020204" pitchFamily="34" charset="0"/>
+              </a:rPr>
+              <a:t>Команда</a:t>
+            </a:r>
+            <a:endParaRPr lang="ru-RU" sz="3600" b="1" dirty="0">
+              <a:solidFill>
+                <a:schemeClr val="tx1"/>
+              </a:solidFill>
+            </a:endParaRPr>
+          </a:p>
+        </p:txBody>
+      </p:sp>
+      <p:sp>
+        <p:nvSpPr>
+          <p:cNvPr id="29" name="TextBox 28">
+            <a:extLst>
+              <a:ext uri="{FF2B5EF4-FFF2-40B4-BE49-F238E27FC236}">
+                <a16:creationId xmlns:a16="http://schemas.microsoft.com/office/drawing/2014/main" id="{DA17AB30-086B-49B8-94DB-D04B19D52837}"/>
+              </a:ext>
+            </a:extLst>
+          </p:cNvPr>
+          <p:cNvSpPr txBox="1"/>
+          <p:nvPr/>
+        </p:nvSpPr>
+        <p:spPr>
+          <a:xfrm>
+            <a:off x="610180" y="5036944"/>
+            <a:ext cx="5362575" cy="1107996"/>
+          </a:xfrm>
+          <a:prstGeom prst="rect">
+            <a:avLst/>
+          </a:prstGeom>
+          <a:noFill/>
+        </p:spPr>
+        <p:txBody>
+          <a:bodyPr wrap="square">
+            <a:spAutoFit/>
+          </a:bodyPr>
+          <a:lstStyle/>
+          <a:p>
+            <a:r>
+              <a:rPr lang="ru-RU" sz="2200" dirty="0"/>
+              <a:t>Большое количество людей около стенда будет отталкивать потенциальную аудиторию</a:t>
+            </a:r>
+          </a:p>
+        </p:txBody>
+      </p:sp>
+      <p:pic>
+        <p:nvPicPr>
+          <p:cNvPr id="3090" name="Picture 18" descr="Самый главный косяк фильма «11 друзей Оушена» и всего Голливуда в целом. А  вы заметили? | Вадим Демьянович | Дзен">
+            <a:extLst>
+              <a:ext uri="{FF2B5EF4-FFF2-40B4-BE49-F238E27FC236}">
+                <a16:creationId xmlns:a16="http://schemas.microsoft.com/office/drawing/2014/main" id="{AC4D1CCA-43CD-4C4C-AFE5-88B26C5233CA}"/>
+              </a:ext>
+            </a:extLst>
+          </p:cNvPr>
+          <p:cNvPicPr>
+            <a:picLocks noChangeAspect="1" noChangeArrowheads="1"/>
+          </p:cNvPicPr>
+          <p:nvPr/>
+        </p:nvPicPr>
+        <p:blipFill>
+          <a:blip r:embed="rId2">
+            <a:extLst>
+              <a:ext uri="{28A0092B-C50C-407E-A947-70E740481C1C}">
+                <a14:useLocalDpi xmlns:a14="http://schemas.microsoft.com/office/drawing/2010/main" val="0"/>
+              </a:ext>
+            </a:extLst>
+          </a:blip>
+          <a:srcRect/>
+          <a:stretch>
+            <a:fillRect/>
+          </a:stretch>
+        </p:blipFill>
+        <p:spPr bwMode="auto">
+          <a:xfrm>
+            <a:off x="6651625" y="0"/>
+            <a:ext cx="5540375" cy="6858000"/>
+          </a:xfrm>
+          <a:prstGeom prst="rect">
+            <a:avLst/>
+          </a:prstGeom>
+          <a:noFill/>
+          <a:extLst>
+            <a:ext uri="{909E8E84-426E-40DD-AFC4-6F175D3DCCD1}">
+              <a14:hiddenFill xmlns:a14="http://schemas.microsoft.com/office/drawing/2010/main">
+                <a:solidFill>
+                  <a:srgbClr val="FFFFFF"/>
+                </a:solidFill>
+              </a14:hiddenFill>
+            </a:ext>
+          </a:extLst>
+        </p:spPr>
+      </p:pic>
+      <p:cxnSp>
+        <p:nvCxnSpPr>
+          <p:cNvPr id="18" name="Прямая соединительная линия 17">
+            <a:extLst>
+              <a:ext uri="{FF2B5EF4-FFF2-40B4-BE49-F238E27FC236}">
+                <a16:creationId xmlns:a16="http://schemas.microsoft.com/office/drawing/2014/main" id="{37514B7C-0B72-4482-8B6C-7CDCB399183A}"/>
+              </a:ext>
+            </a:extLst>
+          </p:cNvPr>
+          <p:cNvCxnSpPr/>
+          <p:nvPr/>
+        </p:nvCxnSpPr>
+        <p:spPr>
+          <a:xfrm>
+            <a:off x="6650780" y="0"/>
+            <a:ext cx="0" cy="6858000"/>
+          </a:xfrm>
+          <a:prstGeom prst="line">
+            <a:avLst/>
+          </a:prstGeom>
+          <a:ln w="28575"/>
+        </p:spPr>
+        <p:style>
+          <a:lnRef idx="1">
+            <a:schemeClr val="dk1"/>
+          </a:lnRef>
+          <a:fillRef idx="0">
+            <a:schemeClr val="dk1"/>
+          </a:fillRef>
+          <a:effectRef idx="0">
+            <a:schemeClr val="dk1"/>
+          </a:effectRef>
+          <a:fontRef idx="minor">
+            <a:schemeClr val="tx1"/>
+          </a:fontRef>
+        </p:style>
+      </p:cxnSp>
+    </p:spTree>
+    <p:extLst>
+      <p:ext uri="{BB962C8B-B14F-4D97-AF65-F5344CB8AC3E}">
+        <p14:creationId xmlns:p14="http://schemas.microsoft.com/office/powerpoint/2010/main" val="2629714938"/>
+      </p:ext>
+    </p:extLst>
+  </p:cSld>
+  <p:clrMapOvr>
+    <a:masterClrMapping/>
+  </p:clrMapOvr>
+</p:sld>
+</file>
+
+<file path=ppt/slides/slide8.xml><?xml version="1.0" encoding="utf-8"?>
+<p:sld xmlns:a="http://schemas.openxmlformats.org/drawingml/2006/main" xmlns:r="http://schemas.openxmlformats.org/officeDocument/2006/relationships" xmlns:p="http://schemas.openxmlformats.org/presentationml/2006/main">
+  <p:cSld>
+    <p:spTree>
+      <p:nvGrpSpPr>
+        <p:cNvPr id="1" name=""/>
+        <p:cNvGrpSpPr/>
+        <p:nvPr/>
+      </p:nvGrpSpPr>
+      <p:grpSpPr>
+        <a:xfrm>
+          <a:off x="0" y="0"/>
+          <a:ext cx="0" cy="0"/>
+          <a:chOff x="0" y="0"/>
+          <a:chExt cx="0" cy="0"/>
+        </a:xfrm>
+      </p:grpSpPr>
+      <p:pic>
+        <p:nvPicPr>
+          <p:cNvPr id="1050" name="Picture 26">
+            <a:extLst>
+              <a:ext uri="{FF2B5EF4-FFF2-40B4-BE49-F238E27FC236}">
+                <a16:creationId xmlns:a16="http://schemas.microsoft.com/office/drawing/2014/main" id="{6520749D-AF1C-4101-83E2-6B94B78B075F}"/>
+              </a:ext>
+            </a:extLst>
+          </p:cNvPr>
+          <p:cNvPicPr>
+            <a:picLocks noChangeAspect="1" noChangeArrowheads="1"/>
+          </p:cNvPicPr>
+          <p:nvPr/>
+        </p:nvPicPr>
+        <p:blipFill>
+          <a:blip r:embed="rId2">
+            <a:extLst>
+              <a:ext uri="{28A0092B-C50C-407E-A947-70E740481C1C}">
+                <a14:useLocalDpi xmlns:a14="http://schemas.microsoft.com/office/drawing/2010/main" val="0"/>
+              </a:ext>
+            </a:extLst>
+          </a:blip>
+          <a:srcRect/>
+          <a:stretch>
+            <a:fillRect/>
+          </a:stretch>
+        </p:blipFill>
+        <p:spPr bwMode="auto">
+          <a:xfrm>
+            <a:off x="0" y="0"/>
+            <a:ext cx="5522913" cy="6858000"/>
+          </a:xfrm>
+          <a:prstGeom prst="rect">
+            <a:avLst/>
+          </a:prstGeom>
+          <a:noFill/>
+          <a:extLst>
+            <a:ext uri="{909E8E84-426E-40DD-AFC4-6F175D3DCCD1}">
+              <a14:hiddenFill xmlns:a14="http://schemas.microsoft.com/office/drawing/2010/main">
+                <a:solidFill>
+                  <a:srgbClr val="FFFFFF"/>
+                </a:solidFill>
+              </a14:hiddenFill>
+            </a:ext>
+          </a:extLst>
+        </p:spPr>
+      </p:pic>
+      <p:sp>
+        <p:nvSpPr>
+          <p:cNvPr id="8" name="Заголовок 1">
+            <a:extLst>
+              <a:ext uri="{FF2B5EF4-FFF2-40B4-BE49-F238E27FC236}">
+                <a16:creationId xmlns:a16="http://schemas.microsoft.com/office/drawing/2014/main" id="{9DA95DF0-3837-4EBE-81D4-0F2390EFD3A6}"/>
+              </a:ext>
+            </a:extLst>
+          </p:cNvPr>
+          <p:cNvSpPr>
+            <a:spLocks noGrp="1"/>
+          </p:cNvSpPr>
+          <p:nvPr>
+            <p:ph type="title"/>
+          </p:nvPr>
+        </p:nvSpPr>
+        <p:spPr>
+          <a:xfrm>
+            <a:off x="6096000" y="148493"/>
+            <a:ext cx="4807916" cy="627388"/>
+          </a:xfrm>
+        </p:spPr>
+        <p:txBody>
+          <a:bodyPr/>
+          <a:lstStyle/>
+          <a:p>
+            <a:r>
+              <a:rPr lang="ru-RU" sz="3600" b="1" dirty="0">
+                <a:solidFill>
+                  <a:schemeClr val="tx1"/>
+                </a:solidFill>
+                <a:latin typeface="Arial Black" panose="020B0A04020102020204" pitchFamily="34" charset="0"/>
+              </a:rPr>
+              <a:t>Скрипт общения</a:t>
+            </a:r>
+          </a:p>
+        </p:txBody>
+      </p:sp>
+      <p:sp>
+        <p:nvSpPr>
+          <p:cNvPr id="2" name="TextBox 1">
+            <a:extLst>
+              <a:ext uri="{FF2B5EF4-FFF2-40B4-BE49-F238E27FC236}">
+                <a16:creationId xmlns:a16="http://schemas.microsoft.com/office/drawing/2014/main" id="{C4F977FD-4021-4374-A5DC-B7CC598E4FEA}"/>
+              </a:ext>
+            </a:extLst>
+          </p:cNvPr>
+          <p:cNvSpPr txBox="1"/>
+          <p:nvPr/>
+        </p:nvSpPr>
+        <p:spPr>
+          <a:xfrm>
+            <a:off x="6096000" y="1625788"/>
+            <a:ext cx="5476869" cy="4093428"/>
+          </a:xfrm>
+          <a:prstGeom prst="rect">
+            <a:avLst/>
+          </a:prstGeom>
+          <a:noFill/>
+        </p:spPr>
+        <p:txBody>
+          <a:bodyPr wrap="square" rtlCol="0">
+            <a:spAutoFit/>
+          </a:bodyPr>
+          <a:lstStyle/>
+          <a:p>
+            <a:pPr marL="457200" indent="-457200">
+              <a:buAutoNum type="arabicParenR"/>
+            </a:pPr>
+            <a:r>
+              <a:rPr lang="be-BY" sz="2200" dirty="0"/>
+              <a:t>Приветствие</a:t>
+            </a:r>
+          </a:p>
+          <a:p>
+            <a:pPr marL="457200" indent="-457200">
+              <a:buAutoNum type="arabicParenR"/>
+            </a:pPr>
+            <a:endParaRPr lang="be-BY" sz="2200" dirty="0"/>
+          </a:p>
+          <a:p>
+            <a:pPr marL="457200" indent="-457200">
+              <a:buAutoNum type="arabicParenR"/>
+            </a:pPr>
+            <a:r>
+              <a:rPr lang="be-BY" sz="2200" dirty="0"/>
+              <a:t>Наши вопросы к посетителю</a:t>
+            </a:r>
+          </a:p>
+          <a:p>
+            <a:pPr marL="457200" indent="-457200">
+              <a:buAutoNum type="arabicParenR"/>
+            </a:pPr>
+            <a:endParaRPr lang="be-BY" sz="2200" dirty="0"/>
+          </a:p>
+          <a:p>
+            <a:pPr marL="457200" indent="-457200">
+              <a:buAutoNum type="arabicParenR"/>
+            </a:pPr>
+            <a:r>
+              <a:rPr lang="be-BY" sz="2200" dirty="0"/>
+              <a:t>Вопросы посетителя (если есть)</a:t>
+            </a:r>
+          </a:p>
+          <a:p>
+            <a:endParaRPr lang="be-BY" sz="2200" dirty="0"/>
+          </a:p>
+          <a:p>
+            <a:pPr marL="457200" indent="-457200">
+              <a:buAutoNum type="arabicParenR" startAt="4"/>
+            </a:pPr>
+            <a:r>
+              <a:rPr lang="be-BY" sz="2200" dirty="0"/>
+              <a:t>Краткая демонстрация решения</a:t>
+            </a:r>
+          </a:p>
+          <a:p>
+            <a:endParaRPr lang="be-BY" sz="2200" dirty="0"/>
+          </a:p>
+          <a:p>
+            <a:r>
+              <a:rPr lang="be-BY" sz="2200" dirty="0"/>
+              <a:t>5)   Подарок (флешка), просьба оставить контакты и посетить наш сайт</a:t>
+            </a:r>
+          </a:p>
+          <a:p>
+            <a:endParaRPr lang="ru-BY" dirty="0"/>
+          </a:p>
+        </p:txBody>
+      </p:sp>
+      <p:cxnSp>
+        <p:nvCxnSpPr>
+          <p:cNvPr id="6" name="Прямая соединительная линия 17">
+            <a:extLst>
+              <a:ext uri="{FF2B5EF4-FFF2-40B4-BE49-F238E27FC236}">
+                <a16:creationId xmlns:a16="http://schemas.microsoft.com/office/drawing/2014/main" id="{C3172812-89BB-4B45-AB08-812AC50CC9D2}"/>
+              </a:ext>
+            </a:extLst>
+          </p:cNvPr>
+          <p:cNvCxnSpPr/>
+          <p:nvPr/>
+        </p:nvCxnSpPr>
+        <p:spPr>
+          <a:xfrm>
+            <a:off x="5525243" y="0"/>
+            <a:ext cx="0" cy="6858000"/>
+          </a:xfrm>
+          <a:prstGeom prst="line">
+            <a:avLst/>
+          </a:prstGeom>
+          <a:ln w="28575"/>
+        </p:spPr>
+        <p:style>
+          <a:lnRef idx="1">
+            <a:schemeClr val="dk1"/>
+          </a:lnRef>
+          <a:fillRef idx="0">
+            <a:schemeClr val="dk1"/>
+          </a:fillRef>
+          <a:effectRef idx="0">
+            <a:schemeClr val="dk1"/>
+          </a:effectRef>
+          <a:fontRef idx="minor">
+            <a:schemeClr val="tx1"/>
+          </a:fontRef>
+        </p:style>
+      </p:cxnSp>
+    </p:spTree>
+    <p:extLst>
+      <p:ext uri="{BB962C8B-B14F-4D97-AF65-F5344CB8AC3E}">
+        <p14:creationId xmlns:p14="http://schemas.microsoft.com/office/powerpoint/2010/main" val="1985902613"/>
+      </p:ext>
+    </p:extLst>
+  </p:cSld>
+  <p:clrMapOvr>
+    <a:masterClrMapping/>
+  </p:clrMapOvr>
+</p:sld>
+</file>
+
+<file path=ppt/slides/slide9.xml><?xml version="1.0" encoding="utf-8"?>
+<p:sld xmlns:a="http://schemas.openxmlformats.org/drawingml/2006/main" xmlns:r="http://schemas.openxmlformats.org/officeDocument/2006/relationships" xmlns:p="http://schemas.openxmlformats.org/presentationml/2006/main">
+  <p:cSld>
+    <p:spTree>
+      <p:nvGrpSpPr>
+        <p:cNvPr id="1" name=""/>
+        <p:cNvGrpSpPr/>
+        <p:nvPr/>
+      </p:nvGrpSpPr>
+      <p:grpSpPr>
+        <a:xfrm>
+          <a:off x="0" y="0"/>
+          <a:ext cx="0" cy="0"/>
+          <a:chOff x="0" y="0"/>
+          <a:chExt cx="0" cy="0"/>
+        </a:xfrm>
+      </p:grpSpPr>
+      <p:sp>
+        <p:nvSpPr>
+          <p:cNvPr id="8" name="Заголовок 1">
+            <a:extLst>
+              <a:ext uri="{FF2B5EF4-FFF2-40B4-BE49-F238E27FC236}">
+                <a16:creationId xmlns:a16="http://schemas.microsoft.com/office/drawing/2014/main" id="{9DA95DF0-3837-4EBE-81D4-0F2390EFD3A6}"/>
+              </a:ext>
+            </a:extLst>
+          </p:cNvPr>
+          <p:cNvSpPr>
+            <a:spLocks noGrp="1"/>
+          </p:cNvSpPr>
+          <p:nvPr>
+            <p:ph type="title"/>
+          </p:nvPr>
+        </p:nvSpPr>
+        <p:spPr>
+          <a:xfrm>
+            <a:off x="418424" y="195665"/>
+            <a:ext cx="6603161" cy="627388"/>
+          </a:xfrm>
+        </p:spPr>
+        <p:txBody>
+          <a:bodyPr/>
+          <a:lstStyle/>
+          <a:p>
+            <a:r>
+              <a:rPr lang="ru-RU" sz="3600" b="1" dirty="0">
+                <a:solidFill>
+                  <a:schemeClr val="tx1"/>
+                </a:solidFill>
+                <a:latin typeface="Arial Black" panose="020B0A04020102020204" pitchFamily="34" charset="0"/>
+              </a:rPr>
+              <a:t>План пиар-мероприятий</a:t>
+            </a:r>
+          </a:p>
+        </p:txBody>
+      </p:sp>
+      <p:sp>
+        <p:nvSpPr>
+          <p:cNvPr id="6" name="TextBox 5">
+            <a:extLst>
+              <a:ext uri="{FF2B5EF4-FFF2-40B4-BE49-F238E27FC236}">
+                <a16:creationId xmlns:a16="http://schemas.microsoft.com/office/drawing/2014/main" id="{5B429449-A2A7-47FA-BAD9-195BFD6A7704}"/>
+              </a:ext>
+            </a:extLst>
+          </p:cNvPr>
+          <p:cNvSpPr txBox="1"/>
+          <p:nvPr/>
+        </p:nvSpPr>
+        <p:spPr>
+          <a:xfrm>
+            <a:off x="418424" y="1731158"/>
+            <a:ext cx="11221126" cy="1785104"/>
+          </a:xfrm>
+          <a:prstGeom prst="rect">
+            <a:avLst/>
+          </a:prstGeom>
+          <a:noFill/>
+        </p:spPr>
+        <p:txBody>
+          <a:bodyPr wrap="square">
+            <a:spAutoFit/>
+          </a:bodyPr>
+          <a:lstStyle/>
+          <a:p>
+            <a:r>
+              <a:rPr lang="be-BY" sz="2200" dirty="0"/>
+              <a:t>1) </a:t>
+            </a:r>
+            <a:r>
+              <a:rPr lang="ru-RU" sz="2200" dirty="0"/>
+              <a:t>Анонсирование участия в саммите через соцсети.</a:t>
+            </a:r>
+            <a:endParaRPr lang="be-BY" sz="2200" dirty="0"/>
+          </a:p>
+          <a:p>
+            <a:endParaRPr lang="be-BY" sz="2200" dirty="0"/>
+          </a:p>
+          <a:p>
+            <a:r>
+              <a:rPr lang="be-BY" sz="2200" dirty="0"/>
+              <a:t>2) Специальные подарочные решения для других участников </a:t>
+            </a:r>
+          </a:p>
+          <a:p>
+            <a:endParaRPr lang="be-BY" sz="2200" dirty="0"/>
+          </a:p>
+          <a:p>
+            <a:r>
+              <a:rPr lang="be-BY" sz="2200" dirty="0"/>
+              <a:t>3) Технологическая дегустация</a:t>
+            </a:r>
+            <a:r>
+              <a:rPr lang="en-US" sz="2200" dirty="0"/>
+              <a:t> </a:t>
+            </a:r>
+            <a:r>
+              <a:rPr lang="ru-RU" sz="2200" dirty="0"/>
+              <a:t>демо-продукта</a:t>
+            </a:r>
+            <a:endParaRPr lang="be-BY" sz="2200" dirty="0"/>
+          </a:p>
+        </p:txBody>
+      </p:sp>
+      <p:pic>
+        <p:nvPicPr>
+          <p:cNvPr id="3" name="Graphic 2">
+            <a:extLst>
+              <a:ext uri="{FF2B5EF4-FFF2-40B4-BE49-F238E27FC236}">
+                <a16:creationId xmlns:a16="http://schemas.microsoft.com/office/drawing/2014/main" id="{38008AE8-14A7-49B8-A04B-679F4BFBA072}"/>
+              </a:ext>
+            </a:extLst>
+          </p:cNvPr>
+          <p:cNvPicPr>
+            <a:picLocks noChangeAspect="1"/>
+          </p:cNvPicPr>
+          <p:nvPr/>
+        </p:nvPicPr>
+        <p:blipFill>
+          <a:blip r:embed="rId2">
+            <a:extLst>
+              <a:ext uri="{28A0092B-C50C-407E-A947-70E740481C1C}">
+                <a14:useLocalDpi xmlns:a14="http://schemas.microsoft.com/office/drawing/2010/main" val="0"/>
+              </a:ext>
+              <a:ext uri="{96DAC541-7B7A-43D3-8B79-37D633B846F1}">
+                <asvg:svgBlip xmlns:asvg="http://schemas.microsoft.com/office/drawing/2016/SVG/main" r:embed="rId3"/>
+              </a:ext>
+            </a:extLst>
+          </a:blip>
+          <a:stretch>
+            <a:fillRect/>
+          </a:stretch>
+        </p:blipFill>
+        <p:spPr>
+          <a:xfrm>
+            <a:off x="7162800" y="3929324"/>
+            <a:ext cx="4610776" cy="2477432"/>
+          </a:xfrm>
+          <a:prstGeom prst="rect">
+            <a:avLst/>
+          </a:prstGeom>
+        </p:spPr>
+      </p:pic>
+      <p:sp>
+        <p:nvSpPr>
+          <p:cNvPr id="4" name="Rectangle 3">
+            <a:extLst>
+              <a:ext uri="{FF2B5EF4-FFF2-40B4-BE49-F238E27FC236}">
+                <a16:creationId xmlns:a16="http://schemas.microsoft.com/office/drawing/2014/main" id="{092F14C7-0E9E-4836-AA52-F4625E68E790}"/>
+              </a:ext>
+            </a:extLst>
+          </p:cNvPr>
+          <p:cNvSpPr/>
+          <p:nvPr/>
+        </p:nvSpPr>
+        <p:spPr>
+          <a:xfrm>
+            <a:off x="418423" y="3824549"/>
+            <a:ext cx="6603161" cy="769441"/>
+          </a:xfrm>
+          <a:prstGeom prst="rect">
+            <a:avLst/>
+          </a:prstGeom>
+        </p:spPr>
+        <p:txBody>
+          <a:bodyPr wrap="square">
+            <a:spAutoFit/>
+          </a:bodyPr>
+          <a:lstStyle/>
+          <a:p>
+            <a:r>
+              <a:rPr lang="be-BY" sz="2200" dirty="0"/>
+              <a:t>4) Ноутбук с готовым решением на стенде</a:t>
+            </a:r>
+          </a:p>
+          <a:p>
+            <a:endParaRPr lang="be-BY" sz="2200" dirty="0"/>
+          </a:p>
+        </p:txBody>
+      </p:sp>
+    </p:spTree>
+    <p:extLst>
+      <p:ext uri="{BB962C8B-B14F-4D97-AF65-F5344CB8AC3E}">
+        <p14:creationId xmlns:p14="http://schemas.microsoft.com/office/powerpoint/2010/main" val="3105982098"/>
       </p:ext>
     </p:extLst>
   </p:cSld>
